--- a/Project Live chat.pptx
+++ b/Project Live chat.pptx
@@ -12435,7 +12435,19 @@
               <a:rPr lang="en-US" sz="2800" dirty="0"/>
               <a:t>Google</a:t>
             </a:r>
-            <a:endParaRPr lang="en-IN" sz="2800" dirty="0"/>
+          </a:p>
+          <a:p>
+            <a:pPr algn="l">
+              <a:lnSpc>
+                <a:spcPct val="150000"/>
+              </a:lnSpc>
+              <a:buFont typeface="Wingdings" panose="05000000000000000000" pitchFamily="2" charset="2"/>
+              <a:buChar char="ü"/>
+            </a:pPr>
+            <a:r>
+              <a:rPr lang="en-IN" sz="2800" dirty="0"/>
+              <a:t>Stack overflow</a:t>
+            </a:r>
           </a:p>
         </p:txBody>
       </p:sp>
@@ -12584,7 +12596,7 @@
         </p:nvSpPr>
         <p:spPr>
           <a:xfrm>
-            <a:off x="606878" y="3535886"/>
+            <a:off x="606878" y="3661721"/>
             <a:ext cx="4009294" cy="584775"/>
           </a:xfrm>
           <a:prstGeom prst="rect">
@@ -12755,6 +12767,68 @@
           </a:p>
         </p:txBody>
       </p:sp>
+      <p:pic>
+        <p:nvPicPr>
+          <p:cNvPr id="4" name="Picture 3">
+            <a:extLst>
+              <a:ext uri="{FF2B5EF4-FFF2-40B4-BE49-F238E27FC236}">
+                <a16:creationId xmlns:a16="http://schemas.microsoft.com/office/drawing/2014/main" id="{E1DC103C-0890-72BB-76FC-6C22DD017A0C}"/>
+              </a:ext>
+            </a:extLst>
+          </p:cNvPr>
+          <p:cNvPicPr>
+            <a:picLocks noChangeAspect="1"/>
+          </p:cNvPicPr>
+          <p:nvPr/>
+        </p:nvPicPr>
+        <p:blipFill>
+          <a:blip r:embed="rId3">
+            <a:extLst>
+              <a:ext uri="{28A0092B-C50C-407E-A947-70E740481C1C}">
+                <a14:useLocalDpi xmlns:a14="http://schemas.microsoft.com/office/drawing/2010/main" val="0"/>
+              </a:ext>
+            </a:extLst>
+          </a:blip>
+          <a:stretch>
+            <a:fillRect/>
+          </a:stretch>
+        </p:blipFill>
+        <p:spPr>
+          <a:xfrm>
+            <a:off x="6907298" y="2737450"/>
+            <a:ext cx="3209819" cy="3209819"/>
+          </a:xfrm>
+          <a:prstGeom prst="rect">
+            <a:avLst/>
+          </a:prstGeom>
+          <a:ln w="190500" cap="sq">
+            <a:solidFill>
+              <a:srgbClr val="C8C6BD"/>
+            </a:solidFill>
+            <a:prstDash val="solid"/>
+            <a:miter lim="800000"/>
+          </a:ln>
+          <a:effectLst>
+            <a:outerShdw blurRad="254000" algn="bl" rotWithShape="0">
+              <a:srgbClr val="000000">
+                <a:alpha val="43000"/>
+              </a:srgbClr>
+            </a:outerShdw>
+          </a:effectLst>
+          <a:scene3d>
+            <a:camera prst="perspectiveFront" fov="5400000"/>
+            <a:lightRig rig="threePt" dir="t">
+              <a:rot lat="0" lon="0" rev="2100000"/>
+            </a:lightRig>
+          </a:scene3d>
+          <a:sp3d extrusionH="25400">
+            <a:bevelT w="304800" h="152400" prst="hardEdge"/>
+            <a:extrusionClr>
+              <a:srgbClr val="000000"/>
+            </a:extrusionClr>
+          </a:sp3d>
+        </p:spPr>
+      </p:pic>
     </p:spTree>
     <p:extLst>
       <p:ext uri="{BB962C8B-B14F-4D97-AF65-F5344CB8AC3E}">
@@ -12917,14 +12991,14 @@
             <p:ph idx="1"/>
             <p:extLst>
               <p:ext uri="{D42A27DB-BD31-4B8C-83A1-F6EECF244321}">
-                <p14:modId xmlns:p14="http://schemas.microsoft.com/office/powerpoint/2010/main" val="3191910972"/>
+                <p14:modId xmlns:p14="http://schemas.microsoft.com/office/powerpoint/2010/main" val="3378058199"/>
               </p:ext>
             </p:extLst>
           </p:nvPr>
         </p:nvGraphicFramePr>
         <p:xfrm>
           <a:off x="1066800" y="984738"/>
-          <a:ext cx="10245969" cy="5287104"/>
+          <a:ext cx="10132503" cy="5696339"/>
         </p:xfrm>
         <a:graphic>
           <a:graphicData uri="http://schemas.openxmlformats.org/drawingml/2006/table">
@@ -12933,21 +13007,21 @@
                 <a:tableStyleId>{9D7B26C5-4107-4FEC-AEDC-1716B250A1EF}</a:tableStyleId>
               </a:tblPr>
               <a:tblGrid>
-                <a:gridCol w="955206">
+                <a:gridCol w="944628">
                   <a:extLst>
                     <a:ext uri="{9D8B030D-6E8A-4147-A177-3AD203B41FA5}">
                       <a16:colId xmlns:a16="http://schemas.microsoft.com/office/drawing/2014/main" val="2629609358"/>
                     </a:ext>
                   </a:extLst>
                 </a:gridCol>
-                <a:gridCol w="7592407">
+                <a:gridCol w="7508327">
                   <a:extLst>
                     <a:ext uri="{9D8B030D-6E8A-4147-A177-3AD203B41FA5}">
                       <a16:colId xmlns:a16="http://schemas.microsoft.com/office/drawing/2014/main" val="317099041"/>
                     </a:ext>
                   </a:extLst>
                 </a:gridCol>
-                <a:gridCol w="1698356">
+                <a:gridCol w="1679548">
                   <a:extLst>
                     <a:ext uri="{9D8B030D-6E8A-4147-A177-3AD203B41FA5}">
                       <a16:colId xmlns:a16="http://schemas.microsoft.com/office/drawing/2014/main" val="2218298989"/>
@@ -12955,7 +13029,7 @@
                   </a:extLst>
                 </a:gridCol>
               </a:tblGrid>
-              <a:tr h="479784">
+              <a:tr h="473836">
                 <a:tc>
                   <a:txBody>
                     <a:bodyPr/>
@@ -13037,7 +13111,7 @@
                   </a:ext>
                 </a:extLst>
               </a:tr>
-              <a:tr h="480732">
+              <a:tr h="474773">
                 <a:tc>
                   <a:txBody>
                     <a:bodyPr/>
@@ -13111,7 +13185,7 @@
                   </a:ext>
                 </a:extLst>
               </a:tr>
-              <a:tr h="480732">
+              <a:tr h="474773">
                 <a:tc>
                   <a:txBody>
                     <a:bodyPr/>
@@ -13177,7 +13251,7 @@
                           <a:latin typeface="Arial" panose="020B0604020202020204" pitchFamily="34" charset="0"/>
                           <a:cs typeface="Arial" panose="020B0604020202020204" pitchFamily="34" charset="0"/>
                         </a:rPr>
-                        <a:t>4</a:t>
+                        <a:t>4 - 5</a:t>
                       </a:r>
                     </a:p>
                   </a:txBody>
@@ -13189,7 +13263,7 @@
                   </a:ext>
                 </a:extLst>
               </a:tr>
-              <a:tr h="480732">
+              <a:tr h="474773">
                 <a:tc>
                   <a:txBody>
                     <a:bodyPr/>
@@ -13267,7 +13341,7 @@
                   </a:ext>
                 </a:extLst>
               </a:tr>
-              <a:tr h="480732">
+              <a:tr h="474773">
                 <a:tc>
                   <a:txBody>
                     <a:bodyPr/>
@@ -13345,7 +13419,7 @@
                   </a:ext>
                 </a:extLst>
               </a:tr>
-              <a:tr h="480732">
+              <a:tr h="474773">
                 <a:tc>
                   <a:txBody>
                     <a:bodyPr/>
@@ -13419,7 +13493,7 @@
                   </a:ext>
                 </a:extLst>
               </a:tr>
-              <a:tr h="480732">
+              <a:tr h="474773">
                 <a:tc>
                   <a:txBody>
                     <a:bodyPr/>
@@ -13492,7 +13566,7 @@
                           <a:latin typeface="Arial" panose="020B0604020202020204" pitchFamily="34" charset="0"/>
                           <a:cs typeface="Arial" panose="020B0604020202020204" pitchFamily="34" charset="0"/>
                         </a:rPr>
-                        <a:t>9</a:t>
+                        <a:t>9 - 11</a:t>
                       </a:r>
                     </a:p>
                   </a:txBody>
@@ -13504,7 +13578,7 @@
                   </a:ext>
                 </a:extLst>
               </a:tr>
-              <a:tr h="480732">
+              <a:tr h="474773">
                 <a:tc>
                   <a:txBody>
                     <a:bodyPr/>
@@ -13589,7 +13663,7 @@
                   </a:ext>
                 </a:extLst>
               </a:tr>
-              <a:tr h="480732">
+              <a:tr h="474773">
                 <a:tc>
                   <a:txBody>
                     <a:bodyPr/>
@@ -13667,7 +13741,7 @@
                   </a:ext>
                 </a:extLst>
               </a:tr>
-              <a:tr h="480732">
+              <a:tr h="474773">
                 <a:tc>
                   <a:txBody>
                     <a:bodyPr/>
@@ -13745,7 +13819,7 @@
                   </a:ext>
                 </a:extLst>
               </a:tr>
-              <a:tr h="480732">
+              <a:tr h="474773">
                 <a:tc>
                   <a:txBody>
                     <a:bodyPr/>
@@ -13782,7 +13856,7 @@
                           <a:latin typeface="Arial" panose="020B0604020202020204" pitchFamily="34" charset="0"/>
                           <a:cs typeface="Arial" panose="020B0604020202020204" pitchFamily="34" charset="0"/>
                         </a:rPr>
-                        <a:t>Live Preview &amp; Thank You </a:t>
+                        <a:t>Live Preview</a:t>
                       </a:r>
                       <a:endParaRPr lang="en-IN" dirty="0">
                         <a:latin typeface="Arial" panose="020B0604020202020204" pitchFamily="34" charset="0"/>
@@ -13802,10 +13876,13 @@
                           <a:spcPct val="150000"/>
                         </a:lnSpc>
                       </a:pPr>
-                      <a:endParaRPr lang="en-IN" dirty="0">
-                        <a:latin typeface="Arial" panose="020B0604020202020204" pitchFamily="34" charset="0"/>
-                        <a:cs typeface="Arial" panose="020B0604020202020204" pitchFamily="34" charset="0"/>
-                      </a:endParaRPr>
+                      <a:r>
+                        <a:rPr lang="en-IN" dirty="0">
+                          <a:latin typeface="Arial" panose="020B0604020202020204" pitchFamily="34" charset="0"/>
+                          <a:cs typeface="Arial" panose="020B0604020202020204" pitchFamily="34" charset="0"/>
+                        </a:rPr>
+                        <a:t>15</a:t>
+                      </a:r>
                     </a:p>
                   </a:txBody>
                   <a:tcPr/>
@@ -13813,6 +13890,76 @@
                 <a:extLst>
                   <a:ext uri="{0D108BD9-81ED-4DB2-BD59-A6C34878D82A}">
                     <a16:rowId xmlns:a16="http://schemas.microsoft.com/office/drawing/2014/main" val="1114750515"/>
+                  </a:ext>
+                </a:extLst>
+              </a:tr>
+              <a:tr h="474773">
+                <a:tc>
+                  <a:txBody>
+                    <a:bodyPr/>
+                    <a:lstStyle/>
+                    <a:p>
+                      <a:pPr algn="ctr">
+                        <a:lnSpc>
+                          <a:spcPct val="150000"/>
+                        </a:lnSpc>
+                      </a:pPr>
+                      <a:r>
+                        <a:rPr lang="en-IN" dirty="0">
+                          <a:latin typeface="Arial" panose="020B0604020202020204" pitchFamily="34" charset="0"/>
+                          <a:cs typeface="Arial" panose="020B0604020202020204" pitchFamily="34" charset="0"/>
+                        </a:rPr>
+                        <a:t>12</a:t>
+                      </a:r>
+                    </a:p>
+                  </a:txBody>
+                  <a:tcPr/>
+                </a:tc>
+                <a:tc>
+                  <a:txBody>
+                    <a:bodyPr/>
+                    <a:lstStyle/>
+                    <a:p>
+                      <a:pPr lvl="2">
+                        <a:lnSpc>
+                          <a:spcPct val="150000"/>
+                        </a:lnSpc>
+                      </a:pPr>
+                      <a:r>
+                        <a:rPr lang="en-IN" dirty="0">
+                          <a:latin typeface="Arial" panose="020B0604020202020204" pitchFamily="34" charset="0"/>
+                          <a:cs typeface="Arial" panose="020B0604020202020204" pitchFamily="34" charset="0"/>
+                        </a:rPr>
+                        <a:t>Thank You</a:t>
+                      </a:r>
+                    </a:p>
+                  </a:txBody>
+                  <a:tcPr/>
+                </a:tc>
+                <a:tc>
+                  <a:txBody>
+                    <a:bodyPr/>
+                    <a:lstStyle/>
+                    <a:p>
+                      <a:pPr algn="ctr">
+                        <a:lnSpc>
+                          <a:spcPct val="150000"/>
+                        </a:lnSpc>
+                      </a:pPr>
+                      <a:r>
+                        <a:rPr lang="en-IN" dirty="0">
+                          <a:latin typeface="Arial" panose="020B0604020202020204" pitchFamily="34" charset="0"/>
+                          <a:cs typeface="Arial" panose="020B0604020202020204" pitchFamily="34" charset="0"/>
+                        </a:rPr>
+                        <a:t>16</a:t>
+                      </a:r>
+                    </a:p>
+                  </a:txBody>
+                  <a:tcPr/>
+                </a:tc>
+                <a:extLst>
+                  <a:ext uri="{0D108BD9-81ED-4DB2-BD59-A6C34878D82A}">
+                    <a16:rowId xmlns:a16="http://schemas.microsoft.com/office/drawing/2014/main" val="4000270766"/>
                   </a:ext>
                 </a:extLst>
               </a:tr>
@@ -13868,8 +14015,8 @@
         </p:nvSpPr>
         <p:spPr>
           <a:xfrm>
-            <a:off x="5749223" y="1213449"/>
-            <a:ext cx="5341024" cy="1270633"/>
+            <a:off x="4440539" y="1990740"/>
+            <a:ext cx="5844363" cy="1270633"/>
           </a:xfrm>
         </p:spPr>
         <p:txBody>
@@ -13908,7 +14055,7 @@
         </p:nvSpPr>
         <p:spPr>
           <a:xfrm>
-            <a:off x="6448951" y="2923261"/>
+            <a:off x="4519484" y="3885368"/>
             <a:ext cx="4800820" cy="843698"/>
           </a:xfrm>
         </p:spPr>
@@ -13923,17 +14070,17 @@
                 <a:latin typeface="Arial" panose="020B0604020202020204" pitchFamily="34" charset="0"/>
                 <a:cs typeface="Arial" panose="020B0604020202020204" pitchFamily="34" charset="0"/>
               </a:rPr>
-              <a:t>Online Gossip Site</a:t>
+              <a:t>Online Gossip and  Chatting Site</a:t>
             </a:r>
           </a:p>
         </p:txBody>
       </p:sp>
       <p:pic>
         <p:nvPicPr>
-          <p:cNvPr id="5" name="Picture 4">
-            <a:extLst>
-              <a:ext uri="{FF2B5EF4-FFF2-40B4-BE49-F238E27FC236}">
-                <a16:creationId xmlns:a16="http://schemas.microsoft.com/office/drawing/2014/main" id="{282CF6DD-7FE8-4063-9551-1B7BBCE92ABE}"/>
+          <p:cNvPr id="6" name="Picture 5">
+            <a:extLst>
+              <a:ext uri="{FF2B5EF4-FFF2-40B4-BE49-F238E27FC236}">
+                <a16:creationId xmlns:a16="http://schemas.microsoft.com/office/drawing/2014/main" id="{0E4B9AB3-ABA5-4267-D726-781D4C1DD914}"/>
               </a:ext>
             </a:extLst>
           </p:cNvPr>
@@ -13948,25 +14095,44 @@
               <a:ext uri="{28A0092B-C50C-407E-A947-70E740481C1C}">
                 <a14:useLocalDpi xmlns:a14="http://schemas.microsoft.com/office/drawing/2010/main" val="0"/>
               </a:ext>
-              <a:ext uri="{837473B0-CC2E-450A-ABE3-18F120FF3D39}">
-                <a1611:picAttrSrcUrl xmlns:a1611="http://schemas.microsoft.com/office/drawing/2016/11/main" r:id="rId3"/>
-              </a:ext>
             </a:extLst>
           </a:blip>
-          <a:srcRect/>
-          <a:stretch/>
+          <a:stretch>
+            <a:fillRect/>
+          </a:stretch>
         </p:blipFill>
         <p:spPr>
           <a:xfrm>
-            <a:off x="443539" y="1370334"/>
-            <a:ext cx="4467064" cy="2512723"/>
-          </a:xfrm>
-          <a:prstGeom prst="rect">
-            <a:avLst/>
-          </a:prstGeom>
-          <a:solidFill>
-            <a:srgbClr val="7030A0"/>
-          </a:solidFill>
+            <a:off x="1363628" y="1694618"/>
+            <a:ext cx="2085975" cy="2190750"/>
+          </a:xfrm>
+          <a:prstGeom prst="ellipse">
+            <a:avLst/>
+          </a:prstGeom>
+          <a:ln w="63500" cap="rnd">
+            <a:solidFill>
+              <a:srgbClr val="333333"/>
+            </a:solidFill>
+          </a:ln>
+          <a:effectLst>
+            <a:outerShdw blurRad="381000" dist="292100" dir="5400000" sx="-80000" sy="-18000" rotWithShape="0">
+              <a:srgbClr val="000000">
+                <a:alpha val="22000"/>
+              </a:srgbClr>
+            </a:outerShdw>
+          </a:effectLst>
+          <a:scene3d>
+            <a:camera prst="orthographicFront"/>
+            <a:lightRig rig="contrasting" dir="t">
+              <a:rot lat="0" lon="0" rev="3000000"/>
+            </a:lightRig>
+          </a:scene3d>
+          <a:sp3d contourW="7620">
+            <a:bevelT w="95250" h="31750"/>
+            <a:contourClr>
+              <a:srgbClr val="333333"/>
+            </a:contourClr>
+          </a:sp3d>
         </p:spPr>
       </p:pic>
     </p:spTree>
@@ -14049,29 +14215,6 @@
       </p:sp>
       <p:sp>
         <p:nvSpPr>
-          <p:cNvPr id="11" name="Picture Placeholder 10">
-            <a:extLst>
-              <a:ext uri="{FF2B5EF4-FFF2-40B4-BE49-F238E27FC236}">
-                <a16:creationId xmlns:a16="http://schemas.microsoft.com/office/drawing/2014/main" id="{0723B1C3-BD73-663C-1B69-D54AEF28BFD9}"/>
-              </a:ext>
-            </a:extLst>
-          </p:cNvPr>
-          <p:cNvSpPr>
-            <a:spLocks noGrp="1"/>
-          </p:cNvSpPr>
-          <p:nvPr>
-            <p:ph type="pic" idx="1"/>
-          </p:nvPr>
-        </p:nvSpPr>
-        <p:spPr>
-          <a:xfrm>
-            <a:off x="7988506" y="1330569"/>
-            <a:ext cx="3200400" cy="4572000"/>
-          </a:xfrm>
-        </p:spPr>
-      </p:sp>
-      <p:sp>
-        <p:nvSpPr>
           <p:cNvPr id="12" name="TextBox 11">
             <a:extLst>
               <a:ext uri="{FF2B5EF4-FFF2-40B4-BE49-F238E27FC236}">
@@ -14194,6 +14337,47 @@
           </a:p>
         </p:txBody>
       </p:sp>
+      <p:pic>
+        <p:nvPicPr>
+          <p:cNvPr id="14" name="Picture Placeholder 13">
+            <a:extLst>
+              <a:ext uri="{FF2B5EF4-FFF2-40B4-BE49-F238E27FC236}">
+                <a16:creationId xmlns:a16="http://schemas.microsoft.com/office/drawing/2014/main" id="{86314B56-D21E-A224-3491-0BA5B3C1127C}"/>
+              </a:ext>
+            </a:extLst>
+          </p:cNvPr>
+          <p:cNvPicPr>
+            <a:picLocks noGrp="1" noChangeAspect="1"/>
+          </p:cNvPicPr>
+          <p:nvPr>
+            <p:ph type="pic" idx="1"/>
+          </p:nvPr>
+        </p:nvPicPr>
+        <p:blipFill rotWithShape="1">
+          <a:blip r:embed="rId2"/>
+          <a:srcRect l="424" r="424"/>
+          <a:stretch/>
+        </p:blipFill>
+        <p:spPr>
+          <a:xfrm>
+            <a:off x="7428119" y="1387422"/>
+            <a:ext cx="3760787" cy="4687888"/>
+          </a:xfrm>
+          <a:prstGeom prst="rect">
+            <a:avLst/>
+          </a:prstGeom>
+          <a:ln>
+            <a:noFill/>
+          </a:ln>
+          <a:effectLst>
+            <a:outerShdw blurRad="190500" algn="tl" rotWithShape="0">
+              <a:srgbClr val="000000">
+                <a:alpha val="70000"/>
+              </a:srgbClr>
+            </a:outerShdw>
+          </a:effectLst>
+        </p:spPr>
+      </p:pic>
     </p:spTree>
     <p:extLst>
       <p:ext uri="{BB962C8B-B14F-4D97-AF65-F5344CB8AC3E}">
@@ -14242,8 +14426,8 @@
         </p:nvSpPr>
         <p:spPr>
           <a:xfrm>
-            <a:off x="892295" y="839580"/>
-            <a:ext cx="6903551" cy="848544"/>
+            <a:off x="791628" y="311074"/>
+            <a:ext cx="4552160" cy="848544"/>
           </a:xfrm>
         </p:spPr>
         <p:txBody>
@@ -14286,8 +14470,8 @@
         </p:nvSpPr>
         <p:spPr>
           <a:xfrm flipH="1">
-            <a:off x="1875104" y="2180492"/>
-            <a:ext cx="8441791" cy="3346109"/>
+            <a:off x="1665378" y="1257703"/>
+            <a:ext cx="6027325" cy="2792111"/>
           </a:xfrm>
           <a:prstGeom prst="rect">
             <a:avLst/>
@@ -14316,26 +14500,89 @@
                 <a:spcPct val="150000"/>
               </a:lnSpc>
             </a:pPr>
-            <a:endParaRPr lang="en-US" sz="2400" dirty="0"/>
-          </a:p>
-          <a:p>
-            <a:pPr>
-              <a:lnSpc>
-                <a:spcPct val="150000"/>
-              </a:lnSpc>
-            </a:pPr>
             <a:r>
               <a:rPr lang="en-US" sz="2400" dirty="0"/>
               <a:t>That website no any limit for chatting and file uploading.</a:t>
             </a:r>
           </a:p>
-          <a:p>
-            <a:pPr>
-              <a:lnSpc>
-                <a:spcPct val="150000"/>
-              </a:lnSpc>
-            </a:pPr>
-            <a:endParaRPr lang="en-US" sz="2400" dirty="0"/>
+        </p:txBody>
+      </p:sp>
+      <p:pic>
+        <p:nvPicPr>
+          <p:cNvPr id="3" name="Picture 2">
+            <a:extLst>
+              <a:ext uri="{FF2B5EF4-FFF2-40B4-BE49-F238E27FC236}">
+                <a16:creationId xmlns:a16="http://schemas.microsoft.com/office/drawing/2014/main" id="{663103D4-EEBF-365C-F98F-D0D2943BE5E9}"/>
+              </a:ext>
+            </a:extLst>
+          </p:cNvPr>
+          <p:cNvPicPr>
+            <a:picLocks noChangeAspect="1"/>
+          </p:cNvPicPr>
+          <p:nvPr/>
+        </p:nvPicPr>
+        <p:blipFill>
+          <a:blip r:embed="rId2"/>
+          <a:stretch>
+            <a:fillRect/>
+          </a:stretch>
+        </p:blipFill>
+        <p:spPr>
+          <a:xfrm>
+            <a:off x="9307914" y="3053218"/>
+            <a:ext cx="2504527" cy="3669899"/>
+          </a:xfrm>
+          <a:prstGeom prst="rect">
+            <a:avLst/>
+          </a:prstGeom>
+          <a:ln>
+            <a:noFill/>
+          </a:ln>
+          <a:effectLst>
+            <a:outerShdw blurRad="190500" algn="tl" rotWithShape="0">
+              <a:srgbClr val="000000">
+                <a:alpha val="70000"/>
+              </a:srgbClr>
+            </a:outerShdw>
+          </a:effectLst>
+        </p:spPr>
+      </p:pic>
+      <p:sp>
+        <p:nvSpPr>
+          <p:cNvPr id="4" name="TextBox 3">
+            <a:extLst>
+              <a:ext uri="{FF2B5EF4-FFF2-40B4-BE49-F238E27FC236}">
+                <a16:creationId xmlns:a16="http://schemas.microsoft.com/office/drawing/2014/main" id="{F6B45685-84D1-5CBE-A567-558B75BAB3B2}"/>
+              </a:ext>
+            </a:extLst>
+          </p:cNvPr>
+          <p:cNvSpPr txBox="1"/>
+          <p:nvPr/>
+        </p:nvSpPr>
+        <p:spPr>
+          <a:xfrm>
+            <a:off x="3338818" y="4892411"/>
+            <a:ext cx="5872294" cy="707886"/>
+          </a:xfrm>
+          <a:prstGeom prst="rect">
+            <a:avLst/>
+          </a:prstGeom>
+          <a:noFill/>
+        </p:spPr>
+        <p:txBody>
+          <a:bodyPr wrap="square" rtlCol="0">
+            <a:spAutoFit/>
+          </a:bodyPr>
+          <a:lstStyle/>
+          <a:p>
+            <a:r>
+              <a:rPr lang="en-US" sz="2000" dirty="0">
+                <a:solidFill>
+                  <a:srgbClr val="FFFF00"/>
+                </a:solidFill>
+              </a:rPr>
+              <a:t>That site main scope is user can start Chatting with simple login opreation.</a:t>
+            </a:r>
           </a:p>
         </p:txBody>
       </p:sp>

--- a/Project Live chat.pptx
+++ b/Project Live chat.pptx
@@ -4,13 +4,16 @@
   <p:sldMasterIdLst>
     <p:sldMasterId id="2147483960" r:id="rId1"/>
   </p:sldMasterIdLst>
+  <p:notesMasterIdLst>
+    <p:notesMasterId r:id="rId18"/>
+  </p:notesMasterIdLst>
   <p:sldIdLst>
     <p:sldId id="260" r:id="rId2"/>
     <p:sldId id="261" r:id="rId3"/>
     <p:sldId id="257" r:id="rId4"/>
     <p:sldId id="264" r:id="rId5"/>
-    <p:sldId id="276" r:id="rId6"/>
-    <p:sldId id="262" r:id="rId7"/>
+    <p:sldId id="262" r:id="rId6"/>
+    <p:sldId id="276" r:id="rId7"/>
     <p:sldId id="263" r:id="rId8"/>
     <p:sldId id="275" r:id="rId9"/>
     <p:sldId id="269" r:id="rId10"/>
@@ -127,6 +130,355 @@
 </p:presentation>
 </file>
 
+<file path=ppt/notesMasters/notesMaster1.xml><?xml version="1.0" encoding="utf-8"?>
+<p:notesMaster xmlns:a="http://schemas.openxmlformats.org/drawingml/2006/main" xmlns:r="http://schemas.openxmlformats.org/officeDocument/2006/relationships" xmlns:p="http://schemas.openxmlformats.org/presentationml/2006/main">
+  <p:cSld>
+    <p:bg>
+      <p:bgRef idx="1001">
+        <a:schemeClr val="bg1"/>
+      </p:bgRef>
+    </p:bg>
+    <p:spTree>
+      <p:nvGrpSpPr>
+        <p:cNvPr id="1" name=""/>
+        <p:cNvGrpSpPr/>
+        <p:nvPr/>
+      </p:nvGrpSpPr>
+      <p:grpSpPr>
+        <a:xfrm>
+          <a:off x="0" y="0"/>
+          <a:ext cx="0" cy="0"/>
+          <a:chOff x="0" y="0"/>
+          <a:chExt cx="0" cy="0"/>
+        </a:xfrm>
+      </p:grpSpPr>
+      <p:sp>
+        <p:nvSpPr>
+          <p:cNvPr id="2" name="Header Placeholder 1"/>
+          <p:cNvSpPr>
+            <a:spLocks noGrp="1"/>
+          </p:cNvSpPr>
+          <p:nvPr>
+            <p:ph type="hdr" sz="quarter"/>
+          </p:nvPr>
+        </p:nvSpPr>
+        <p:spPr>
+          <a:xfrm>
+            <a:off x="0" y="0"/>
+            <a:ext cx="2971800" cy="458788"/>
+          </a:xfrm>
+          <a:prstGeom prst="rect">
+            <a:avLst/>
+          </a:prstGeom>
+        </p:spPr>
+        <p:txBody>
+          <a:bodyPr vert="horz" lIns="91440" tIns="45720" rIns="91440" bIns="45720" rtlCol="0"/>
+          <a:lstStyle>
+            <a:lvl1pPr algn="l">
+              <a:defRPr sz="1200"/>
+            </a:lvl1pPr>
+          </a:lstStyle>
+          <a:p>
+            <a:endParaRPr lang="en-US"/>
+          </a:p>
+        </p:txBody>
+      </p:sp>
+      <p:sp>
+        <p:nvSpPr>
+          <p:cNvPr id="3" name="Date Placeholder 2"/>
+          <p:cNvSpPr>
+            <a:spLocks noGrp="1"/>
+          </p:cNvSpPr>
+          <p:nvPr>
+            <p:ph type="dt" idx="1"/>
+          </p:nvPr>
+        </p:nvSpPr>
+        <p:spPr>
+          <a:xfrm>
+            <a:off x="3884613" y="0"/>
+            <a:ext cx="2971800" cy="458788"/>
+          </a:xfrm>
+          <a:prstGeom prst="rect">
+            <a:avLst/>
+          </a:prstGeom>
+        </p:spPr>
+        <p:txBody>
+          <a:bodyPr vert="horz" lIns="91440" tIns="45720" rIns="91440" bIns="45720" rtlCol="0"/>
+          <a:lstStyle>
+            <a:lvl1pPr algn="r">
+              <a:defRPr sz="1200"/>
+            </a:lvl1pPr>
+          </a:lstStyle>
+          <a:p>
+            <a:fld id="{F1FD7B6F-3C60-46CB-BDD9-6816BC0A42FB}" type="datetimeFigureOut">
+              <a:rPr lang="en-US" smtClean="0"/>
+              <a:t>11/13/2022</a:t>
+            </a:fld>
+            <a:endParaRPr lang="en-US"/>
+          </a:p>
+        </p:txBody>
+      </p:sp>
+      <p:sp>
+        <p:nvSpPr>
+          <p:cNvPr id="4" name="Slide Image Placeholder 3"/>
+          <p:cNvSpPr>
+            <a:spLocks noGrp="1" noRot="1" noChangeAspect="1"/>
+          </p:cNvSpPr>
+          <p:nvPr>
+            <p:ph type="sldImg" idx="2"/>
+          </p:nvPr>
+        </p:nvSpPr>
+        <p:spPr>
+          <a:xfrm>
+            <a:off x="685800" y="1143000"/>
+            <a:ext cx="5486400" cy="3086100"/>
+          </a:xfrm>
+          <a:prstGeom prst="rect">
+            <a:avLst/>
+          </a:prstGeom>
+          <a:noFill/>
+          <a:ln w="12700">
+            <a:solidFill>
+              <a:prstClr val="black"/>
+            </a:solidFill>
+          </a:ln>
+        </p:spPr>
+        <p:txBody>
+          <a:bodyPr vert="horz" lIns="91440" tIns="45720" rIns="91440" bIns="45720" rtlCol="0" anchor="ctr"/>
+          <a:lstStyle/>
+          <a:p>
+            <a:endParaRPr lang="en-US"/>
+          </a:p>
+        </p:txBody>
+      </p:sp>
+      <p:sp>
+        <p:nvSpPr>
+          <p:cNvPr id="5" name="Notes Placeholder 4"/>
+          <p:cNvSpPr>
+            <a:spLocks noGrp="1"/>
+          </p:cNvSpPr>
+          <p:nvPr>
+            <p:ph type="body" sz="quarter" idx="3"/>
+          </p:nvPr>
+        </p:nvSpPr>
+        <p:spPr>
+          <a:xfrm>
+            <a:off x="685800" y="4400550"/>
+            <a:ext cx="5486400" cy="3600450"/>
+          </a:xfrm>
+          <a:prstGeom prst="rect">
+            <a:avLst/>
+          </a:prstGeom>
+        </p:spPr>
+        <p:txBody>
+          <a:bodyPr vert="horz" lIns="91440" tIns="45720" rIns="91440" bIns="45720" rtlCol="0"/>
+          <a:lstStyle/>
+          <a:p>
+            <a:pPr lvl="0"/>
+            <a:r>
+              <a:rPr lang="en-US"/>
+              <a:t>Click to edit Master text styles</a:t>
+            </a:r>
+          </a:p>
+          <a:p>
+            <a:pPr lvl="1"/>
+            <a:r>
+              <a:rPr lang="en-US"/>
+              <a:t>Second level</a:t>
+            </a:r>
+          </a:p>
+          <a:p>
+            <a:pPr lvl="2"/>
+            <a:r>
+              <a:rPr lang="en-US"/>
+              <a:t>Third level</a:t>
+            </a:r>
+          </a:p>
+          <a:p>
+            <a:pPr lvl="3"/>
+            <a:r>
+              <a:rPr lang="en-US"/>
+              <a:t>Fourth level</a:t>
+            </a:r>
+          </a:p>
+          <a:p>
+            <a:pPr lvl="4"/>
+            <a:r>
+              <a:rPr lang="en-US"/>
+              <a:t>Fifth level</a:t>
+            </a:r>
+          </a:p>
+        </p:txBody>
+      </p:sp>
+      <p:sp>
+        <p:nvSpPr>
+          <p:cNvPr id="6" name="Footer Placeholder 5"/>
+          <p:cNvSpPr>
+            <a:spLocks noGrp="1"/>
+          </p:cNvSpPr>
+          <p:nvPr>
+            <p:ph type="ftr" sz="quarter" idx="4"/>
+          </p:nvPr>
+        </p:nvSpPr>
+        <p:spPr>
+          <a:xfrm>
+            <a:off x="0" y="8685213"/>
+            <a:ext cx="2971800" cy="458787"/>
+          </a:xfrm>
+          <a:prstGeom prst="rect">
+            <a:avLst/>
+          </a:prstGeom>
+        </p:spPr>
+        <p:txBody>
+          <a:bodyPr vert="horz" lIns="91440" tIns="45720" rIns="91440" bIns="45720" rtlCol="0" anchor="b"/>
+          <a:lstStyle>
+            <a:lvl1pPr algn="l">
+              <a:defRPr sz="1200"/>
+            </a:lvl1pPr>
+          </a:lstStyle>
+          <a:p>
+            <a:endParaRPr lang="en-US"/>
+          </a:p>
+        </p:txBody>
+      </p:sp>
+      <p:sp>
+        <p:nvSpPr>
+          <p:cNvPr id="7" name="Slide Number Placeholder 6"/>
+          <p:cNvSpPr>
+            <a:spLocks noGrp="1"/>
+          </p:cNvSpPr>
+          <p:nvPr>
+            <p:ph type="sldNum" sz="quarter" idx="5"/>
+          </p:nvPr>
+        </p:nvSpPr>
+        <p:spPr>
+          <a:xfrm>
+            <a:off x="3884613" y="8685213"/>
+            <a:ext cx="2971800" cy="458787"/>
+          </a:xfrm>
+          <a:prstGeom prst="rect">
+            <a:avLst/>
+          </a:prstGeom>
+        </p:spPr>
+        <p:txBody>
+          <a:bodyPr vert="horz" lIns="91440" tIns="45720" rIns="91440" bIns="45720" rtlCol="0" anchor="b"/>
+          <a:lstStyle>
+            <a:lvl1pPr algn="r">
+              <a:defRPr sz="1200"/>
+            </a:lvl1pPr>
+          </a:lstStyle>
+          <a:p>
+            <a:fld id="{6C28D46E-2F34-45D8-B426-D374F97DD083}" type="slidenum">
+              <a:rPr lang="en-US" smtClean="0"/>
+              <a:t>‹#›</a:t>
+            </a:fld>
+            <a:endParaRPr lang="en-US"/>
+          </a:p>
+        </p:txBody>
+      </p:sp>
+    </p:spTree>
+    <p:extLst>
+      <p:ext uri="{BB962C8B-B14F-4D97-AF65-F5344CB8AC3E}">
+        <p14:creationId xmlns:p14="http://schemas.microsoft.com/office/powerpoint/2010/main" val="249357281"/>
+      </p:ext>
+    </p:extLst>
+  </p:cSld>
+  <p:clrMap bg1="lt1" tx1="dk1" bg2="lt2" tx2="dk2" accent1="accent1" accent2="accent2" accent3="accent3" accent4="accent4" accent5="accent5" accent6="accent6" hlink="hlink" folHlink="folHlink"/>
+  <p:notesStyle>
+    <a:lvl1pPr marL="0" algn="l" defTabSz="914400" rtl="0" eaLnBrk="1" latinLnBrk="0" hangingPunct="1">
+      <a:defRPr sz="1200" kern="1200">
+        <a:solidFill>
+          <a:schemeClr val="tx1"/>
+        </a:solidFill>
+        <a:latin typeface="+mn-lt"/>
+        <a:ea typeface="+mn-ea"/>
+        <a:cs typeface="+mn-cs"/>
+      </a:defRPr>
+    </a:lvl1pPr>
+    <a:lvl2pPr marL="457200" algn="l" defTabSz="914400" rtl="0" eaLnBrk="1" latinLnBrk="0" hangingPunct="1">
+      <a:defRPr sz="1200" kern="1200">
+        <a:solidFill>
+          <a:schemeClr val="tx1"/>
+        </a:solidFill>
+        <a:latin typeface="+mn-lt"/>
+        <a:ea typeface="+mn-ea"/>
+        <a:cs typeface="+mn-cs"/>
+      </a:defRPr>
+    </a:lvl2pPr>
+    <a:lvl3pPr marL="914400" algn="l" defTabSz="914400" rtl="0" eaLnBrk="1" latinLnBrk="0" hangingPunct="1">
+      <a:defRPr sz="1200" kern="1200">
+        <a:solidFill>
+          <a:schemeClr val="tx1"/>
+        </a:solidFill>
+        <a:latin typeface="+mn-lt"/>
+        <a:ea typeface="+mn-ea"/>
+        <a:cs typeface="+mn-cs"/>
+      </a:defRPr>
+    </a:lvl3pPr>
+    <a:lvl4pPr marL="1371600" algn="l" defTabSz="914400" rtl="0" eaLnBrk="1" latinLnBrk="0" hangingPunct="1">
+      <a:defRPr sz="1200" kern="1200">
+        <a:solidFill>
+          <a:schemeClr val="tx1"/>
+        </a:solidFill>
+        <a:latin typeface="+mn-lt"/>
+        <a:ea typeface="+mn-ea"/>
+        <a:cs typeface="+mn-cs"/>
+      </a:defRPr>
+    </a:lvl4pPr>
+    <a:lvl5pPr marL="1828800" algn="l" defTabSz="914400" rtl="0" eaLnBrk="1" latinLnBrk="0" hangingPunct="1">
+      <a:defRPr sz="1200" kern="1200">
+        <a:solidFill>
+          <a:schemeClr val="tx1"/>
+        </a:solidFill>
+        <a:latin typeface="+mn-lt"/>
+        <a:ea typeface="+mn-ea"/>
+        <a:cs typeface="+mn-cs"/>
+      </a:defRPr>
+    </a:lvl5pPr>
+    <a:lvl6pPr marL="2286000" algn="l" defTabSz="914400" rtl="0" eaLnBrk="1" latinLnBrk="0" hangingPunct="1">
+      <a:defRPr sz="1200" kern="1200">
+        <a:solidFill>
+          <a:schemeClr val="tx1"/>
+        </a:solidFill>
+        <a:latin typeface="+mn-lt"/>
+        <a:ea typeface="+mn-ea"/>
+        <a:cs typeface="+mn-cs"/>
+      </a:defRPr>
+    </a:lvl6pPr>
+    <a:lvl7pPr marL="2743200" algn="l" defTabSz="914400" rtl="0" eaLnBrk="1" latinLnBrk="0" hangingPunct="1">
+      <a:defRPr sz="1200" kern="1200">
+        <a:solidFill>
+          <a:schemeClr val="tx1"/>
+        </a:solidFill>
+        <a:latin typeface="+mn-lt"/>
+        <a:ea typeface="+mn-ea"/>
+        <a:cs typeface="+mn-cs"/>
+      </a:defRPr>
+    </a:lvl7pPr>
+    <a:lvl8pPr marL="3200400" algn="l" defTabSz="914400" rtl="0" eaLnBrk="1" latinLnBrk="0" hangingPunct="1">
+      <a:defRPr sz="1200" kern="1200">
+        <a:solidFill>
+          <a:schemeClr val="tx1"/>
+        </a:solidFill>
+        <a:latin typeface="+mn-lt"/>
+        <a:ea typeface="+mn-ea"/>
+        <a:cs typeface="+mn-cs"/>
+      </a:defRPr>
+    </a:lvl8pPr>
+    <a:lvl9pPr marL="3657600" algn="l" defTabSz="914400" rtl="0" eaLnBrk="1" latinLnBrk="0" hangingPunct="1">
+      <a:defRPr sz="1200" kern="1200">
+        <a:solidFill>
+          <a:schemeClr val="tx1"/>
+        </a:solidFill>
+        <a:latin typeface="+mn-lt"/>
+        <a:ea typeface="+mn-ea"/>
+        <a:cs typeface="+mn-cs"/>
+      </a:defRPr>
+    </a:lvl9pPr>
+  </p:notesStyle>
+</p:notesMaster>
+</file>
+
 <file path=ppt/slideLayouts/slideLayout1.xml><?xml version="1.0" encoding="utf-8"?>
 <p:sldLayout xmlns:a="http://schemas.openxmlformats.org/drawingml/2006/main" xmlns:r="http://schemas.openxmlformats.org/officeDocument/2006/relationships" xmlns:p="http://schemas.openxmlformats.org/presentationml/2006/main" type="title" preserve="1">
   <p:cSld name="Title Slide">
@@ -313,7 +665,7 @@
           <a:p>
             <a:fld id="{9184DA70-C731-4C70-880D-CCD4705E623C}" type="datetime1">
               <a:rPr lang="en-US" smtClean="0"/>
-              <a:t>11/12/2022</a:t>
+              <a:t>11/13/2022</a:t>
             </a:fld>
             <a:endParaRPr lang="en-US" dirty="0"/>
           </a:p>
@@ -371,6 +723,18 @@
   <p:clrMapOvr>
     <a:masterClrMapping/>
   </p:clrMapOvr>
+  <mc:AlternateContent xmlns:mc="http://schemas.openxmlformats.org/markup-compatibility/2006">
+    <mc:Choice xmlns:p14="http://schemas.microsoft.com/office/powerpoint/2010/main" Requires="p14">
+      <p:transition spd="slow" p14:dur="1200">
+        <p14:prism/>
+      </p:transition>
+    </mc:Choice>
+    <mc:Fallback>
+      <p:transition spd="slow">
+        <p:fade/>
+      </p:transition>
+    </mc:Fallback>
+  </mc:AlternateContent>
 </p:sldLayout>
 </file>
 
@@ -588,7 +952,7 @@
           <a:p>
             <a:fld id="{62D6E202-B606-4609-B914-27C9371A1F6D}" type="datetime1">
               <a:rPr lang="en-US" smtClean="0"/>
-              <a:t>11/12/2022</a:t>
+              <a:t>11/13/2022</a:t>
             </a:fld>
             <a:endParaRPr lang="en-US" dirty="0"/>
           </a:p>
@@ -646,6 +1010,18 @@
   <p:clrMapOvr>
     <a:masterClrMapping/>
   </p:clrMapOvr>
+  <mc:AlternateContent xmlns:mc="http://schemas.openxmlformats.org/markup-compatibility/2006">
+    <mc:Choice xmlns:p14="http://schemas.microsoft.com/office/powerpoint/2010/main" Requires="p14">
+      <p:transition spd="slow" p14:dur="1200">
+        <p14:prism/>
+      </p:transition>
+    </mc:Choice>
+    <mc:Fallback>
+      <p:transition spd="slow">
+        <p:fade/>
+      </p:transition>
+    </mc:Fallback>
+  </mc:AlternateContent>
   <p:hf sldNum="0" hdr="0" ftr="0" dt="0"/>
 </p:sldLayout>
 </file>
@@ -783,7 +1159,7 @@
           <a:p>
             <a:fld id="{62D6E202-B606-4609-B914-27C9371A1F6D}" type="datetime1">
               <a:rPr lang="en-US" smtClean="0"/>
-              <a:t>11/12/2022</a:t>
+              <a:t>11/13/2022</a:t>
             </a:fld>
             <a:endParaRPr lang="en-US" dirty="0"/>
           </a:p>
@@ -841,6 +1217,18 @@
   <p:clrMapOvr>
     <a:masterClrMapping/>
   </p:clrMapOvr>
+  <mc:AlternateContent xmlns:mc="http://schemas.openxmlformats.org/markup-compatibility/2006">
+    <mc:Choice xmlns:p14="http://schemas.microsoft.com/office/powerpoint/2010/main" Requires="p14">
+      <p:transition spd="slow" p14:dur="1200">
+        <p14:prism/>
+      </p:transition>
+    </mc:Choice>
+    <mc:Fallback>
+      <p:transition spd="slow">
+        <p:fade/>
+      </p:transition>
+    </mc:Fallback>
+  </mc:AlternateContent>
   <p:hf sldNum="0" hdr="0" ftr="0" dt="0"/>
 </p:sldLayout>
 </file>
@@ -1057,7 +1445,7 @@
           <a:p>
             <a:fld id="{62D6E202-B606-4609-B914-27C9371A1F6D}" type="datetime1">
               <a:rPr lang="en-US" smtClean="0"/>
-              <a:t>11/12/2022</a:t>
+              <a:t>11/13/2022</a:t>
             </a:fld>
             <a:endParaRPr lang="en-US" dirty="0"/>
           </a:p>
@@ -1209,6 +1597,18 @@
   <p:clrMapOvr>
     <a:masterClrMapping/>
   </p:clrMapOvr>
+  <mc:AlternateContent xmlns:mc="http://schemas.openxmlformats.org/markup-compatibility/2006">
+    <mc:Choice xmlns:p14="http://schemas.microsoft.com/office/powerpoint/2010/main" Requires="p14">
+      <p:transition spd="slow" p14:dur="1200">
+        <p14:prism/>
+      </p:transition>
+    </mc:Choice>
+    <mc:Fallback>
+      <p:transition spd="slow">
+        <p:fade/>
+      </p:transition>
+    </mc:Fallback>
+  </mc:AlternateContent>
   <p:hf sldNum="0" hdr="0" ftr="0" dt="0"/>
 </p:sldLayout>
 </file>
@@ -1399,7 +1799,7 @@
           <a:p>
             <a:fld id="{62D6E202-B606-4609-B914-27C9371A1F6D}" type="datetime1">
               <a:rPr lang="en-US" smtClean="0"/>
-              <a:t>11/12/2022</a:t>
+              <a:t>11/13/2022</a:t>
             </a:fld>
             <a:endParaRPr lang="en-US" dirty="0"/>
           </a:p>
@@ -1457,6 +1857,18 @@
   <p:clrMapOvr>
     <a:masterClrMapping/>
   </p:clrMapOvr>
+  <mc:AlternateContent xmlns:mc="http://schemas.openxmlformats.org/markup-compatibility/2006">
+    <mc:Choice xmlns:p14="http://schemas.microsoft.com/office/powerpoint/2010/main" Requires="p14">
+      <p:transition spd="slow" p14:dur="1200">
+        <p14:prism/>
+      </p:transition>
+    </mc:Choice>
+    <mc:Fallback>
+      <p:transition spd="slow">
+        <p:fade/>
+      </p:transition>
+    </mc:Fallback>
+  </mc:AlternateContent>
   <p:hf sldNum="0" hdr="0" ftr="0" dt="0"/>
 </p:sldLayout>
 </file>
@@ -2023,7 +2435,7 @@
           <a:p>
             <a:fld id="{62D6E202-B606-4609-B914-27C9371A1F6D}" type="datetime1">
               <a:rPr lang="en-US" smtClean="0"/>
-              <a:t>11/12/2022</a:t>
+              <a:t>11/13/2022</a:t>
             </a:fld>
             <a:endParaRPr lang="en-US" dirty="0"/>
           </a:p>
@@ -2081,6 +2493,18 @@
   <p:clrMapOvr>
     <a:masterClrMapping/>
   </p:clrMapOvr>
+  <mc:AlternateContent xmlns:mc="http://schemas.openxmlformats.org/markup-compatibility/2006">
+    <mc:Choice xmlns:p14="http://schemas.microsoft.com/office/powerpoint/2010/main" Requires="p14">
+      <p:transition spd="slow" p14:dur="1200">
+        <p14:prism/>
+      </p:transition>
+    </mc:Choice>
+    <mc:Fallback>
+      <p:transition spd="slow">
+        <p:fade/>
+      </p:transition>
+    </mc:Fallback>
+  </mc:AlternateContent>
   <p:hf sldNum="0" hdr="0" ftr="0" dt="0"/>
 </p:sldLayout>
 </file>
@@ -2884,7 +3308,7 @@
           <a:p>
             <a:fld id="{62D6E202-B606-4609-B914-27C9371A1F6D}" type="datetime1">
               <a:rPr lang="en-US" smtClean="0"/>
-              <a:t>11/12/2022</a:t>
+              <a:t>11/13/2022</a:t>
             </a:fld>
             <a:endParaRPr lang="en-US" dirty="0"/>
           </a:p>
@@ -2942,6 +3366,18 @@
   <p:clrMapOvr>
     <a:masterClrMapping/>
   </p:clrMapOvr>
+  <mc:AlternateContent xmlns:mc="http://schemas.openxmlformats.org/markup-compatibility/2006">
+    <mc:Choice xmlns:p14="http://schemas.microsoft.com/office/powerpoint/2010/main" Requires="p14">
+      <p:transition spd="slow" p14:dur="1200">
+        <p14:prism/>
+      </p:transition>
+    </mc:Choice>
+    <mc:Fallback>
+      <p:transition spd="slow">
+        <p:fade/>
+      </p:transition>
+    </mc:Fallback>
+  </mc:AlternateContent>
   <p:hf sldNum="0" hdr="0" ftr="0" dt="0"/>
 </p:sldLayout>
 </file>
@@ -3055,7 +3491,7 @@
           <a:p>
             <a:fld id="{62D6E202-B606-4609-B914-27C9371A1F6D}" type="datetime1">
               <a:rPr lang="en-US" smtClean="0"/>
-              <a:t>11/12/2022</a:t>
+              <a:t>11/13/2022</a:t>
             </a:fld>
             <a:endParaRPr lang="en-US" dirty="0"/>
           </a:p>
@@ -3113,6 +3549,18 @@
   <p:clrMapOvr>
     <a:masterClrMapping/>
   </p:clrMapOvr>
+  <mc:AlternateContent xmlns:mc="http://schemas.openxmlformats.org/markup-compatibility/2006">
+    <mc:Choice xmlns:p14="http://schemas.microsoft.com/office/powerpoint/2010/main" Requires="p14">
+      <p:transition spd="slow" p14:dur="1200">
+        <p14:prism/>
+      </p:transition>
+    </mc:Choice>
+    <mc:Fallback>
+      <p:transition spd="slow">
+        <p:fade/>
+      </p:transition>
+    </mc:Fallback>
+  </mc:AlternateContent>
   <p:hf sldNum="0" hdr="0" ftr="0" dt="0"/>
 </p:sldLayout>
 </file>
@@ -3236,7 +3684,7 @@
           <a:p>
             <a:fld id="{62D6E202-B606-4609-B914-27C9371A1F6D}" type="datetime1">
               <a:rPr lang="en-US" smtClean="0"/>
-              <a:t>11/12/2022</a:t>
+              <a:t>11/13/2022</a:t>
             </a:fld>
             <a:endParaRPr lang="en-US" dirty="0"/>
           </a:p>
@@ -3294,6 +3742,18 @@
   <p:clrMapOvr>
     <a:masterClrMapping/>
   </p:clrMapOvr>
+  <mc:AlternateContent xmlns:mc="http://schemas.openxmlformats.org/markup-compatibility/2006">
+    <mc:Choice xmlns:p14="http://schemas.microsoft.com/office/powerpoint/2010/main" Requires="p14">
+      <p:transition spd="slow" p14:dur="1200">
+        <p14:prism/>
+      </p:transition>
+    </mc:Choice>
+    <mc:Fallback>
+      <p:transition spd="slow">
+        <p:fade/>
+      </p:transition>
+    </mc:Fallback>
+  </mc:AlternateContent>
   <p:hf sldNum="0" hdr="0" ftr="0" dt="0"/>
 </p:sldLayout>
 </file>
@@ -3407,7 +3867,7 @@
           <a:p>
             <a:fld id="{62D6E202-B606-4609-B914-27C9371A1F6D}" type="datetime1">
               <a:rPr lang="en-US" smtClean="0"/>
-              <a:t>11/12/2022</a:t>
+              <a:t>11/13/2022</a:t>
             </a:fld>
             <a:endParaRPr lang="en-US" dirty="0"/>
           </a:p>
@@ -3465,6 +3925,18 @@
   <p:clrMapOvr>
     <a:masterClrMapping/>
   </p:clrMapOvr>
+  <mc:AlternateContent xmlns:mc="http://schemas.openxmlformats.org/markup-compatibility/2006">
+    <mc:Choice xmlns:p14="http://schemas.microsoft.com/office/powerpoint/2010/main" Requires="p14">
+      <p:transition spd="slow" p14:dur="1200">
+        <p14:prism/>
+      </p:transition>
+    </mc:Choice>
+    <mc:Fallback>
+      <p:transition spd="slow">
+        <p:fade/>
+      </p:transition>
+    </mc:Fallback>
+  </mc:AlternateContent>
   <p:hf sldNum="0" hdr="0" ftr="0" dt="0"/>
 </p:sldLayout>
 </file>
@@ -3655,7 +4127,7 @@
           <a:p>
             <a:fld id="{97669AF7-7BEB-44E4-9852-375E34362B5B}" type="datetime1">
               <a:rPr lang="en-US" smtClean="0"/>
-              <a:t>11/12/2022</a:t>
+              <a:t>11/13/2022</a:t>
             </a:fld>
             <a:endParaRPr lang="en-US" dirty="0"/>
           </a:p>
@@ -3713,6 +4185,18 @@
   <p:clrMapOvr>
     <a:masterClrMapping/>
   </p:clrMapOvr>
+  <mc:AlternateContent xmlns:mc="http://schemas.openxmlformats.org/markup-compatibility/2006">
+    <mc:Choice xmlns:p14="http://schemas.microsoft.com/office/powerpoint/2010/main" Requires="p14">
+      <p:transition spd="slow" p14:dur="1200">
+        <p14:prism/>
+      </p:transition>
+    </mc:Choice>
+    <mc:Fallback>
+      <p:transition spd="slow">
+        <p:fade/>
+      </p:transition>
+    </mc:Fallback>
+  </mc:AlternateContent>
 </p:sldLayout>
 </file>
 
@@ -3947,7 +4431,7 @@
           <a:p>
             <a:fld id="{62D6E202-B606-4609-B914-27C9371A1F6D}" type="datetime1">
               <a:rPr lang="en-US" smtClean="0"/>
-              <a:t>11/12/2022</a:t>
+              <a:t>11/13/2022</a:t>
             </a:fld>
             <a:endParaRPr lang="en-US" dirty="0"/>
           </a:p>
@@ -4005,6 +4489,18 @@
   <p:clrMapOvr>
     <a:masterClrMapping/>
   </p:clrMapOvr>
+  <mc:AlternateContent xmlns:mc="http://schemas.openxmlformats.org/markup-compatibility/2006">
+    <mc:Choice xmlns:p14="http://schemas.microsoft.com/office/powerpoint/2010/main" Requires="p14">
+      <p:transition spd="slow" p14:dur="1200">
+        <p14:prism/>
+      </p:transition>
+    </mc:Choice>
+    <mc:Fallback>
+      <p:transition spd="slow">
+        <p:fade/>
+      </p:transition>
+    </mc:Fallback>
+  </mc:AlternateContent>
   <p:hf sldNum="0" hdr="0" ftr="0" dt="0"/>
 </p:sldLayout>
 </file>
@@ -4392,7 +4888,7 @@
           <a:p>
             <a:fld id="{62D6E202-B606-4609-B914-27C9371A1F6D}" type="datetime1">
               <a:rPr lang="en-US" smtClean="0"/>
-              <a:t>11/12/2022</a:t>
+              <a:t>11/13/2022</a:t>
             </a:fld>
             <a:endParaRPr lang="en-US" dirty="0"/>
           </a:p>
@@ -4450,6 +4946,18 @@
   <p:clrMapOvr>
     <a:masterClrMapping/>
   </p:clrMapOvr>
+  <mc:AlternateContent xmlns:mc="http://schemas.openxmlformats.org/markup-compatibility/2006">
+    <mc:Choice xmlns:p14="http://schemas.microsoft.com/office/powerpoint/2010/main" Requires="p14">
+      <p:transition spd="slow" p14:dur="1200">
+        <p14:prism/>
+      </p:transition>
+    </mc:Choice>
+    <mc:Fallback>
+      <p:transition spd="slow">
+        <p:fade/>
+      </p:transition>
+    </mc:Fallback>
+  </mc:AlternateContent>
   <p:hf sldNum="0" hdr="0" ftr="0" dt="0"/>
 </p:sldLayout>
 </file>
@@ -4511,7 +5019,7 @@
           <a:p>
             <a:fld id="{1775B394-D9F9-4F0C-B15D-605F45CB9E9F}" type="datetime1">
               <a:rPr lang="en-US" smtClean="0"/>
-              <a:t>11/12/2022</a:t>
+              <a:t>11/13/2022</a:t>
             </a:fld>
             <a:endParaRPr lang="en-US" dirty="0"/>
           </a:p>
@@ -4569,6 +5077,18 @@
   <p:clrMapOvr>
     <a:masterClrMapping/>
   </p:clrMapOvr>
+  <mc:AlternateContent xmlns:mc="http://schemas.openxmlformats.org/markup-compatibility/2006">
+    <mc:Choice xmlns:p14="http://schemas.microsoft.com/office/powerpoint/2010/main" Requires="p14">
+      <p:transition spd="slow" p14:dur="1200">
+        <p14:prism/>
+      </p:transition>
+    </mc:Choice>
+    <mc:Fallback>
+      <p:transition spd="slow">
+        <p:fade/>
+      </p:transition>
+    </mc:Fallback>
+  </mc:AlternateContent>
 </p:sldLayout>
 </file>
 
@@ -4606,7 +5126,7 @@
           <a:p>
             <a:fld id="{39667345-2558-425A-8533-9BFDBCE15005}" type="datetime1">
               <a:rPr lang="en-US" smtClean="0"/>
-              <a:t>11/12/2022</a:t>
+              <a:t>11/13/2022</a:t>
             </a:fld>
             <a:endParaRPr lang="en-US" dirty="0"/>
           </a:p>
@@ -4664,6 +5184,18 @@
   <p:clrMapOvr>
     <a:masterClrMapping/>
   </p:clrMapOvr>
+  <mc:AlternateContent xmlns:mc="http://schemas.openxmlformats.org/markup-compatibility/2006">
+    <mc:Choice xmlns:p14="http://schemas.microsoft.com/office/powerpoint/2010/main" Requires="p14">
+      <p:transition spd="slow" p14:dur="1200">
+        <p14:prism/>
+      </p:transition>
+    </mc:Choice>
+    <mc:Fallback>
+      <p:transition spd="slow">
+        <p:fade/>
+      </p:transition>
+    </mc:Fallback>
+  </mc:AlternateContent>
 </p:sldLayout>
 </file>
 
@@ -4885,7 +5417,7 @@
           <a:p>
             <a:fld id="{62D6E202-B606-4609-B914-27C9371A1F6D}" type="datetime1">
               <a:rPr lang="en-US" smtClean="0"/>
-              <a:t>11/12/2022</a:t>
+              <a:t>11/13/2022</a:t>
             </a:fld>
             <a:endParaRPr lang="en-US" dirty="0"/>
           </a:p>
@@ -4943,6 +5475,18 @@
   <p:clrMapOvr>
     <a:masterClrMapping/>
   </p:clrMapOvr>
+  <mc:AlternateContent xmlns:mc="http://schemas.openxmlformats.org/markup-compatibility/2006">
+    <mc:Choice xmlns:p14="http://schemas.microsoft.com/office/powerpoint/2010/main" Requires="p14">
+      <p:transition spd="slow" p14:dur="1200">
+        <p14:prism/>
+      </p:transition>
+    </mc:Choice>
+    <mc:Fallback>
+      <p:transition spd="slow">
+        <p:fade/>
+      </p:transition>
+    </mc:Fallback>
+  </mc:AlternateContent>
   <p:hf sldNum="0" hdr="0" ftr="0" dt="0"/>
 </p:sldLayout>
 </file>
@@ -5161,7 +5705,7 @@
           <a:p>
             <a:fld id="{4907D986-8816-4272-A432-0437A28A9828}" type="datetime1">
               <a:rPr lang="en-US" smtClean="0"/>
-              <a:t>11/12/2022</a:t>
+              <a:t>11/13/2022</a:t>
             </a:fld>
             <a:endParaRPr lang="en-US" dirty="0"/>
           </a:p>
@@ -5220,6 +5764,18 @@
   <p:clrMapOvr>
     <a:masterClrMapping/>
   </p:clrMapOvr>
+  <mc:AlternateContent xmlns:mc="http://schemas.openxmlformats.org/markup-compatibility/2006">
+    <mc:Choice xmlns:p14="http://schemas.microsoft.com/office/powerpoint/2010/main" Requires="p14">
+      <p:transition spd="slow" p14:dur="1200">
+        <p14:prism/>
+      </p:transition>
+    </mc:Choice>
+    <mc:Fallback>
+      <p:transition spd="slow">
+        <p:fade/>
+      </p:transition>
+    </mc:Fallback>
+  </mc:AlternateContent>
 </p:sldLayout>
 </file>
 
@@ -5591,7 +6147,7 @@
           <a:p>
             <a:fld id="{62D6E202-B606-4609-B914-27C9371A1F6D}" type="datetime1">
               <a:rPr lang="en-US" smtClean="0"/>
-              <a:t>11/12/2022</a:t>
+              <a:t>11/13/2022</a:t>
             </a:fld>
             <a:endParaRPr lang="en-US" dirty="0"/>
           </a:p>
@@ -5703,6 +6259,18 @@
     <p:sldLayoutId id="2147483976" r:id="rId16"/>
     <p:sldLayoutId id="2147483977" r:id="rId17"/>
   </p:sldLayoutIdLst>
+  <mc:AlternateContent xmlns:mc="http://schemas.openxmlformats.org/markup-compatibility/2006">
+    <mc:Choice xmlns:p14="http://schemas.microsoft.com/office/powerpoint/2010/main" Requires="p14">
+      <p:transition spd="slow" p14:dur="1200">
+        <p14:prism/>
+      </p:transition>
+    </mc:Choice>
+    <mc:Fallback>
+      <p:transition spd="slow">
+        <p:fade/>
+      </p:transition>
+    </mc:Fallback>
+  </mc:AlternateContent>
   <p:hf sldNum="0" hdr="0" ftr="0" dt="0"/>
   <p:txStyles>
     <p:titleStyle>
@@ -6138,7 +6706,7 @@
         </p:nvSpPr>
         <p:spPr>
           <a:xfrm>
-            <a:off x="530355" y="180635"/>
+            <a:off x="530355" y="138690"/>
             <a:ext cx="10727670" cy="3653134"/>
           </a:xfrm>
         </p:spPr>
@@ -6335,6 +6903,18 @@
   <p:clrMapOvr>
     <a:masterClrMapping/>
   </p:clrMapOvr>
+  <mc:AlternateContent xmlns:mc="http://schemas.openxmlformats.org/markup-compatibility/2006">
+    <mc:Choice xmlns:p14="http://schemas.microsoft.com/office/powerpoint/2010/main" Requires="p14">
+      <p:transition spd="slow" p14:dur="1200">
+        <p14:prism/>
+      </p:transition>
+    </mc:Choice>
+    <mc:Fallback>
+      <p:transition spd="slow">
+        <p:fade/>
+      </p:transition>
+    </mc:Fallback>
+  </mc:AlternateContent>
 </p:sld>
 </file>
 
@@ -8918,6 +9498,18 @@
   <p:clrMapOvr>
     <a:masterClrMapping/>
   </p:clrMapOvr>
+  <mc:AlternateContent xmlns:mc="http://schemas.openxmlformats.org/markup-compatibility/2006">
+    <mc:Choice xmlns:p14="http://schemas.microsoft.com/office/powerpoint/2010/main" Requires="p14">
+      <p:transition spd="slow" p14:dur="1200">
+        <p14:prism/>
+      </p:transition>
+    </mc:Choice>
+    <mc:Fallback>
+      <p:transition spd="slow">
+        <p:fade/>
+      </p:transition>
+    </mc:Fallback>
+  </mc:AlternateContent>
 </p:sld>
 </file>
 
@@ -10317,6 +10909,18 @@
   <p:clrMapOvr>
     <a:masterClrMapping/>
   </p:clrMapOvr>
+  <mc:AlternateContent xmlns:mc="http://schemas.openxmlformats.org/markup-compatibility/2006">
+    <mc:Choice xmlns:p14="http://schemas.microsoft.com/office/powerpoint/2010/main" Requires="p14">
+      <p:transition spd="slow" p14:dur="1200">
+        <p14:prism/>
+      </p:transition>
+    </mc:Choice>
+    <mc:Fallback>
+      <p:transition spd="slow">
+        <p:fade/>
+      </p:transition>
+    </mc:Fallback>
+  </mc:AlternateContent>
 </p:sld>
 </file>
 
@@ -10403,7 +11007,7 @@
         </p:nvSpPr>
         <p:spPr>
           <a:xfrm rot="20738797">
-            <a:off x="1193651" y="3197295"/>
+            <a:off x="1218779" y="3230212"/>
             <a:ext cx="1422401" cy="523219"/>
           </a:xfrm>
           <a:prstGeom prst="rect">
@@ -10455,9 +11059,9 @@
           <p:nvPr/>
         </p:nvSpPr>
         <p:spPr>
-          <a:xfrm rot="2765513">
-            <a:off x="-20981" y="3944891"/>
-            <a:ext cx="1691885" cy="440452"/>
+          <a:xfrm rot="1166061">
+            <a:off x="1544493" y="1627157"/>
+            <a:ext cx="1632688" cy="407072"/>
           </a:xfrm>
           <a:prstGeom prst="ellipse">
             <a:avLst/>
@@ -10507,13 +11111,15 @@
           </p:cNvPr>
           <p:cNvCxnSpPr>
             <a:cxnSpLocks/>
+            <a:stCxn id="4" idx="4"/>
+            <a:endCxn id="3" idx="0"/>
           </p:cNvCxnSpPr>
           <p:nvPr/>
         </p:nvCxnSpPr>
         <p:spPr>
-          <a:xfrm flipV="1">
-            <a:off x="1002827" y="3901551"/>
-            <a:ext cx="249955" cy="133607"/>
+          <a:xfrm flipH="1">
+            <a:off x="1865127" y="2022632"/>
+            <a:ext cx="427988" cy="1215746"/>
           </a:xfrm>
           <a:prstGeom prst="line">
             <a:avLst/>
@@ -10556,9 +11162,9 @@
           <p:nvPr/>
         </p:nvCxnSpPr>
         <p:spPr>
-          <a:xfrm flipV="1">
-            <a:off x="1839999" y="2736123"/>
-            <a:ext cx="129590" cy="469338"/>
+          <a:xfrm flipH="1" flipV="1">
+            <a:off x="1271893" y="2317971"/>
+            <a:ext cx="593234" cy="920407"/>
           </a:xfrm>
           <a:prstGeom prst="line">
             <a:avLst/>
@@ -10597,9 +11203,9 @@
           <p:nvPr/>
         </p:nvSpPr>
         <p:spPr>
-          <a:xfrm rot="21021530">
-            <a:off x="1245017" y="2159110"/>
-            <a:ext cx="1351819" cy="581117"/>
+          <a:xfrm rot="20387883">
+            <a:off x="635577" y="1754729"/>
+            <a:ext cx="1071954" cy="581117"/>
           </a:xfrm>
           <a:prstGeom prst="ellipse">
             <a:avLst/>
@@ -10655,8 +11261,8 @@
         </p:nvCxnSpPr>
         <p:spPr>
           <a:xfrm flipH="1" flipV="1">
-            <a:off x="998799" y="3028838"/>
-            <a:ext cx="594437" cy="255281"/>
+            <a:off x="1083197" y="3048523"/>
+            <a:ext cx="599022" cy="245309"/>
           </a:xfrm>
           <a:prstGeom prst="line">
             <a:avLst/>
@@ -10696,8 +11302,8 @@
         </p:nvSpPr>
         <p:spPr>
           <a:xfrm rot="17681518">
-            <a:off x="202045" y="2657943"/>
-            <a:ext cx="1118128" cy="523220"/>
+            <a:off x="297420" y="2677629"/>
+            <a:ext cx="1096173" cy="523220"/>
           </a:xfrm>
           <a:prstGeom prst="ellipse">
             <a:avLst/>
@@ -11148,8 +11754,8 @@
         </p:nvCxnSpPr>
         <p:spPr>
           <a:xfrm flipH="1">
-            <a:off x="2593852" y="2897642"/>
-            <a:ext cx="492089" cy="384955"/>
+            <a:off x="2618980" y="2880656"/>
+            <a:ext cx="509321" cy="434858"/>
           </a:xfrm>
           <a:prstGeom prst="line">
             <a:avLst/>
@@ -11194,7 +11800,7 @@
         <p:spPr>
           <a:xfrm flipH="1" flipV="1">
             <a:off x="6523251" y="1963814"/>
-            <a:ext cx="653058" cy="233503"/>
+            <a:ext cx="628738" cy="314222"/>
           </a:xfrm>
           <a:prstGeom prst="line">
             <a:avLst/>
@@ -11647,8 +12253,8 @@
         </p:nvCxnSpPr>
         <p:spPr>
           <a:xfrm flipV="1">
-            <a:off x="4503799" y="4675408"/>
-            <a:ext cx="574928" cy="136752"/>
+            <a:off x="4751530" y="4675408"/>
+            <a:ext cx="327197" cy="78253"/>
           </a:xfrm>
           <a:prstGeom prst="line">
             <a:avLst/>
@@ -11738,7 +12344,7 @@
         <p:spPr>
           <a:xfrm flipH="1" flipV="1">
             <a:off x="6620475" y="4675408"/>
-            <a:ext cx="501521" cy="35520"/>
+            <a:ext cx="319949" cy="82962"/>
           </a:xfrm>
           <a:prstGeom prst="line">
             <a:avLst/>
@@ -11778,7 +12384,7 @@
         </p:nvSpPr>
         <p:spPr>
           <a:xfrm rot="19924189">
-            <a:off x="2426319" y="5006268"/>
+            <a:off x="2674050" y="4947769"/>
             <a:ext cx="2205956" cy="645044"/>
           </a:xfrm>
           <a:prstGeom prst="ellipse">
@@ -11886,7 +12492,7 @@
         </p:nvSpPr>
         <p:spPr>
           <a:xfrm rot="1898513">
-            <a:off x="6960337" y="4996906"/>
+            <a:off x="6778765" y="5044348"/>
             <a:ext cx="2174935" cy="569034"/>
           </a:xfrm>
           <a:prstGeom prst="ellipse">
@@ -11940,8 +12546,8 @@
         </p:nvSpPr>
         <p:spPr>
           <a:xfrm rot="19612423">
-            <a:off x="2976537" y="2108921"/>
-            <a:ext cx="1346245" cy="841738"/>
+            <a:off x="3018897" y="2031039"/>
+            <a:ext cx="1346245" cy="963529"/>
           </a:xfrm>
           <a:prstGeom prst="diamond">
             <a:avLst/>
@@ -12003,8 +12609,8 @@
         </p:nvCxnSpPr>
         <p:spPr>
           <a:xfrm flipV="1">
-            <a:off x="998799" y="2969124"/>
-            <a:ext cx="19180" cy="59714"/>
+            <a:off x="1083197" y="2978837"/>
+            <a:ext cx="23765" cy="69686"/>
           </a:xfrm>
           <a:prstGeom prst="line">
             <a:avLst/>
@@ -12048,8 +12654,8 @@
         </p:nvCxnSpPr>
         <p:spPr>
           <a:xfrm flipH="1">
-            <a:off x="4213378" y="1963814"/>
-            <a:ext cx="962574" cy="198124"/>
+            <a:off x="4255738" y="1963814"/>
+            <a:ext cx="920214" cy="181138"/>
           </a:xfrm>
           <a:prstGeom prst="line">
             <a:avLst/>
@@ -12088,9 +12694,9 @@
           <p:nvPr/>
         </p:nvSpPr>
         <p:spPr>
-          <a:xfrm rot="1896121">
-            <a:off x="7077151" y="2126840"/>
-            <a:ext cx="1337334" cy="841738"/>
+          <a:xfrm rot="1637372">
+            <a:off x="7077567" y="2085911"/>
+            <a:ext cx="1337334" cy="997399"/>
           </a:xfrm>
           <a:prstGeom prst="diamond">
             <a:avLst/>
@@ -12153,8 +12759,8 @@
         </p:nvCxnSpPr>
         <p:spPr>
           <a:xfrm flipH="1" flipV="1">
-            <a:off x="8315327" y="2898101"/>
-            <a:ext cx="736704" cy="376635"/>
+            <a:off x="8340479" y="2891186"/>
+            <a:ext cx="711552" cy="383550"/>
           </a:xfrm>
           <a:prstGeom prst="line">
             <a:avLst/>
@@ -12190,6 +12796,18 @@
   <p:clrMapOvr>
     <a:masterClrMapping/>
   </p:clrMapOvr>
+  <mc:AlternateContent xmlns:mc="http://schemas.openxmlformats.org/markup-compatibility/2006">
+    <mc:Choice xmlns:p14="http://schemas.microsoft.com/office/powerpoint/2010/main" Requires="p14">
+      <p:transition spd="slow" p14:dur="1200">
+        <p14:prism/>
+      </p:transition>
+    </mc:Choice>
+    <mc:Fallback>
+      <p:transition spd="slow">
+        <p:fade/>
+      </p:transition>
+    </mc:Fallback>
+  </mc:AlternateContent>
 </p:sld>
 </file>
 
@@ -12363,6 +12981,18 @@
   <p:clrMapOvr>
     <a:masterClrMapping/>
   </p:clrMapOvr>
+  <mc:AlternateContent xmlns:mc="http://schemas.openxmlformats.org/markup-compatibility/2006">
+    <mc:Choice xmlns:p14="http://schemas.microsoft.com/office/powerpoint/2010/main" Requires="p14">
+      <p:transition spd="slow" p14:dur="1200">
+        <p14:prism/>
+      </p:transition>
+    </mc:Choice>
+    <mc:Fallback>
+      <p:transition spd="slow">
+        <p:fade/>
+      </p:transition>
+    </mc:Fallback>
+  </mc:AlternateContent>
 </p:sld>
 </file>
 
@@ -12513,6 +13143,18 @@
   <p:clrMapOvr>
     <a:masterClrMapping/>
   </p:clrMapOvr>
+  <mc:AlternateContent xmlns:mc="http://schemas.openxmlformats.org/markup-compatibility/2006">
+    <mc:Choice xmlns:p14="http://schemas.microsoft.com/office/powerpoint/2010/main" Requires="p14">
+      <p:transition spd="slow" p14:dur="1200">
+        <p14:prism/>
+      </p:transition>
+    </mc:Choice>
+    <mc:Fallback>
+      <p:transition spd="slow">
+        <p:fade/>
+      </p:transition>
+    </mc:Fallback>
+  </mc:AlternateContent>
 </p:sld>
 </file>
 
@@ -12839,6 +13481,18 @@
   <p:clrMapOvr>
     <a:masterClrMapping/>
   </p:clrMapOvr>
+  <mc:AlternateContent xmlns:mc="http://schemas.openxmlformats.org/markup-compatibility/2006">
+    <mc:Choice xmlns:p14="http://schemas.microsoft.com/office/powerpoint/2010/main" Requires="p14">
+      <p:transition spd="slow" p14:dur="1200">
+        <p14:prism/>
+      </p:transition>
+    </mc:Choice>
+    <mc:Fallback>
+      <p:transition spd="slow">
+        <p:fade/>
+      </p:transition>
+    </mc:Fallback>
+  </mc:AlternateContent>
 </p:sld>
 </file>
 
@@ -12907,6 +13561,18 @@
   <p:clrMapOvr>
     <a:masterClrMapping/>
   </p:clrMapOvr>
+  <mc:AlternateContent xmlns:mc="http://schemas.openxmlformats.org/markup-compatibility/2006">
+    <mc:Choice xmlns:p14="http://schemas.microsoft.com/office/powerpoint/2010/main" Requires="p14">
+      <p:transition spd="slow" p14:dur="1200">
+        <p14:prism/>
+      </p:transition>
+    </mc:Choice>
+    <mc:Fallback>
+      <p:transition spd="slow">
+        <p:fade/>
+      </p:transition>
+    </mc:Fallback>
+  </mc:AlternateContent>
 </p:sld>
 </file>
 
@@ -12991,7 +13657,7 @@
             <p:ph idx="1"/>
             <p:extLst>
               <p:ext uri="{D42A27DB-BD31-4B8C-83A1-F6EECF244321}">
-                <p14:modId xmlns:p14="http://schemas.microsoft.com/office/powerpoint/2010/main" val="3378058199"/>
+                <p14:modId xmlns:p14="http://schemas.microsoft.com/office/powerpoint/2010/main" val="1518842946"/>
               </p:ext>
             </p:extLst>
           </p:nvPr>
@@ -13041,7 +13707,7 @@
                         </a:lnSpc>
                       </a:pPr>
                       <a:r>
-                        <a:rPr lang="en-US" dirty="0">
+                        <a:rPr lang="en-US">
                           <a:latin typeface="Arial" panose="020B0604020202020204" pitchFamily="34" charset="0"/>
                           <a:cs typeface="Arial" panose="020B0604020202020204" pitchFamily="34" charset="0"/>
                         </a:rPr>
@@ -13066,7 +13732,7 @@
                         </a:lnSpc>
                       </a:pPr>
                       <a:r>
-                        <a:rPr lang="en-US" dirty="0">
+                        <a:rPr lang="en-US">
                           <a:latin typeface="Arial" panose="020B0604020202020204" pitchFamily="34" charset="0"/>
                           <a:cs typeface="Arial" panose="020B0604020202020204" pitchFamily="34" charset="0"/>
                         </a:rPr>
@@ -13091,7 +13757,7 @@
                         </a:lnSpc>
                       </a:pPr>
                       <a:r>
-                        <a:rPr lang="en-US" dirty="0">
+                        <a:rPr lang="en-US">
                           <a:latin typeface="Arial" panose="020B0604020202020204" pitchFamily="34" charset="0"/>
                           <a:cs typeface="Arial" panose="020B0604020202020204" pitchFamily="34" charset="0"/>
                         </a:rPr>
@@ -13123,7 +13789,7 @@
                         </a:lnSpc>
                       </a:pPr>
                       <a:r>
-                        <a:rPr lang="en-US" dirty="0">
+                        <a:rPr lang="en-US">
                           <a:latin typeface="Arial" panose="020B0604020202020204" pitchFamily="34" charset="0"/>
                           <a:cs typeface="Arial" panose="020B0604020202020204" pitchFamily="34" charset="0"/>
                         </a:rPr>
@@ -13148,12 +13814,16 @@
                         </a:lnSpc>
                       </a:pPr>
                       <a:r>
-                        <a:rPr lang="en-IN" dirty="0">
+                        <a:rPr lang="en-IN">
                           <a:latin typeface="Arial" panose="020B0604020202020204" pitchFamily="34" charset="0"/>
                           <a:cs typeface="Arial" panose="020B0604020202020204" pitchFamily="34" charset="0"/>
                         </a:rPr>
                         <a:t>Project Title</a:t>
                       </a:r>
+                      <a:endParaRPr lang="en-IN" dirty="0">
+                        <a:latin typeface="Arial" panose="020B0604020202020204" pitchFamily="34" charset="0"/>
+                        <a:cs typeface="Arial" panose="020B0604020202020204" pitchFamily="34" charset="0"/>
+                      </a:endParaRPr>
                     </a:p>
                   </a:txBody>
                   <a:tcPr/>
@@ -13169,12 +13839,16 @@
                         </a:lnSpc>
                       </a:pPr>
                       <a:r>
-                        <a:rPr lang="en-IN" dirty="0">
+                        <a:rPr lang="en-IN">
                           <a:latin typeface="Arial" panose="020B0604020202020204" pitchFamily="34" charset="0"/>
                           <a:cs typeface="Arial" panose="020B0604020202020204" pitchFamily="34" charset="0"/>
                         </a:rPr>
                         <a:t>3</a:t>
                       </a:r>
+                      <a:endParaRPr lang="en-IN" dirty="0">
+                        <a:latin typeface="Arial" panose="020B0604020202020204" pitchFamily="34" charset="0"/>
+                        <a:cs typeface="Arial" panose="020B0604020202020204" pitchFamily="34" charset="0"/>
+                      </a:endParaRPr>
                     </a:p>
                   </a:txBody>
                   <a:tcPr/>
@@ -13197,7 +13871,7 @@
                         </a:lnSpc>
                       </a:pPr>
                       <a:r>
-                        <a:rPr lang="en-US" dirty="0">
+                        <a:rPr lang="en-US">
                           <a:latin typeface="Arial" panose="020B0604020202020204" pitchFamily="34" charset="0"/>
                           <a:cs typeface="Arial" panose="020B0604020202020204" pitchFamily="34" charset="0"/>
                         </a:rPr>
@@ -13222,7 +13896,7 @@
                         </a:lnSpc>
                       </a:pPr>
                       <a:r>
-                        <a:rPr lang="en-US" dirty="0">
+                        <a:rPr lang="en-US">
                           <a:latin typeface="Arial" panose="020B0604020202020204" pitchFamily="34" charset="0"/>
                           <a:cs typeface="Arial" panose="020B0604020202020204" pitchFamily="34" charset="0"/>
                         </a:rPr>
@@ -13247,12 +13921,16 @@
                         </a:lnSpc>
                       </a:pPr>
                       <a:r>
-                        <a:rPr lang="en-IN" dirty="0">
+                        <a:rPr lang="en-IN">
                           <a:latin typeface="Arial" panose="020B0604020202020204" pitchFamily="34" charset="0"/>
                           <a:cs typeface="Arial" panose="020B0604020202020204" pitchFamily="34" charset="0"/>
                         </a:rPr>
                         <a:t>4 - 5</a:t>
                       </a:r>
+                      <a:endParaRPr lang="en-IN" dirty="0">
+                        <a:latin typeface="Arial" panose="020B0604020202020204" pitchFamily="34" charset="0"/>
+                        <a:cs typeface="Arial" panose="020B0604020202020204" pitchFamily="34" charset="0"/>
+                      </a:endParaRPr>
                     </a:p>
                   </a:txBody>
                   <a:tcPr/>
@@ -13275,7 +13953,7 @@
                         </a:lnSpc>
                       </a:pPr>
                       <a:r>
-                        <a:rPr lang="en-US" dirty="0">
+                        <a:rPr lang="en-US">
                           <a:latin typeface="Arial" panose="020B0604020202020204" pitchFamily="34" charset="0"/>
                           <a:cs typeface="Arial" panose="020B0604020202020204" pitchFamily="34" charset="0"/>
                         </a:rPr>
@@ -13300,7 +13978,7 @@
                         </a:lnSpc>
                       </a:pPr>
                       <a:r>
-                        <a:rPr lang="en-US" dirty="0">
+                        <a:rPr lang="en-US">
                           <a:latin typeface="Arial" panose="020B0604020202020204" pitchFamily="34" charset="0"/>
                           <a:cs typeface="Arial" panose="020B0604020202020204" pitchFamily="34" charset="0"/>
                         </a:rPr>
@@ -13325,12 +14003,16 @@
                         </a:lnSpc>
                       </a:pPr>
                       <a:r>
-                        <a:rPr lang="en-IN" dirty="0">
+                        <a:rPr lang="en-IN">
                           <a:latin typeface="Arial" panose="020B0604020202020204" pitchFamily="34" charset="0"/>
                           <a:cs typeface="Arial" panose="020B0604020202020204" pitchFamily="34" charset="0"/>
                         </a:rPr>
                         <a:t>6</a:t>
                       </a:r>
+                      <a:endParaRPr lang="en-IN" dirty="0">
+                        <a:latin typeface="Arial" panose="020B0604020202020204" pitchFamily="34" charset="0"/>
+                        <a:cs typeface="Arial" panose="020B0604020202020204" pitchFamily="34" charset="0"/>
+                      </a:endParaRPr>
                     </a:p>
                   </a:txBody>
                   <a:tcPr/>
@@ -13353,7 +14035,7 @@
                         </a:lnSpc>
                       </a:pPr>
                       <a:r>
-                        <a:rPr lang="en-US" dirty="0">
+                        <a:rPr lang="en-US">
                           <a:latin typeface="Arial" panose="020B0604020202020204" pitchFamily="34" charset="0"/>
                           <a:cs typeface="Arial" panose="020B0604020202020204" pitchFamily="34" charset="0"/>
                         </a:rPr>
@@ -13378,7 +14060,7 @@
                         </a:lnSpc>
                       </a:pPr>
                       <a:r>
-                        <a:rPr lang="en-US" dirty="0">
+                        <a:rPr lang="en-US">
                           <a:latin typeface="Arial" panose="020B0604020202020204" pitchFamily="34" charset="0"/>
                           <a:cs typeface="Arial" panose="020B0604020202020204" pitchFamily="34" charset="0"/>
                         </a:rPr>
@@ -13403,12 +14085,16 @@
                         </a:lnSpc>
                       </a:pPr>
                       <a:r>
-                        <a:rPr lang="en-IN" dirty="0">
+                        <a:rPr lang="en-IN">
                           <a:latin typeface="Arial" panose="020B0604020202020204" pitchFamily="34" charset="0"/>
                           <a:cs typeface="Arial" panose="020B0604020202020204" pitchFamily="34" charset="0"/>
                         </a:rPr>
                         <a:t>7</a:t>
                       </a:r>
+                      <a:endParaRPr lang="en-IN" dirty="0">
+                        <a:latin typeface="Arial" panose="020B0604020202020204" pitchFamily="34" charset="0"/>
+                        <a:cs typeface="Arial" panose="020B0604020202020204" pitchFamily="34" charset="0"/>
+                      </a:endParaRPr>
                     </a:p>
                   </a:txBody>
                   <a:tcPr/>
@@ -13431,7 +14117,7 @@
                         </a:lnSpc>
                       </a:pPr>
                       <a:r>
-                        <a:rPr lang="en-US" dirty="0">
+                        <a:rPr lang="en-US">
                           <a:latin typeface="Arial" panose="020B0604020202020204" pitchFamily="34" charset="0"/>
                           <a:cs typeface="Arial" panose="020B0604020202020204" pitchFamily="34" charset="0"/>
                         </a:rPr>
@@ -13456,12 +14142,16 @@
                         </a:lnSpc>
                       </a:pPr>
                       <a:r>
-                        <a:rPr lang="en-IN" dirty="0">
+                        <a:rPr lang="en-IN">
                           <a:latin typeface="Arial" panose="020B0604020202020204" pitchFamily="34" charset="0"/>
                           <a:cs typeface="Arial" panose="020B0604020202020204" pitchFamily="34" charset="0"/>
                         </a:rPr>
                         <a:t>Flow Chart</a:t>
                       </a:r>
+                      <a:endParaRPr lang="en-IN" dirty="0">
+                        <a:latin typeface="Arial" panose="020B0604020202020204" pitchFamily="34" charset="0"/>
+                        <a:cs typeface="Arial" panose="020B0604020202020204" pitchFamily="34" charset="0"/>
+                      </a:endParaRPr>
                     </a:p>
                   </a:txBody>
                   <a:tcPr/>
@@ -13477,12 +14167,16 @@
                         </a:lnSpc>
                       </a:pPr>
                       <a:r>
-                        <a:rPr lang="en-IN" dirty="0">
+                        <a:rPr lang="en-IN">
                           <a:latin typeface="Arial" panose="020B0604020202020204" pitchFamily="34" charset="0"/>
                           <a:cs typeface="Arial" panose="020B0604020202020204" pitchFamily="34" charset="0"/>
                         </a:rPr>
                         <a:t>8</a:t>
                       </a:r>
+                      <a:endParaRPr lang="en-IN" dirty="0">
+                        <a:latin typeface="Arial" panose="020B0604020202020204" pitchFamily="34" charset="0"/>
+                        <a:cs typeface="Arial" panose="020B0604020202020204" pitchFamily="34" charset="0"/>
+                      </a:endParaRPr>
                     </a:p>
                   </a:txBody>
                   <a:tcPr/>
@@ -13505,7 +14199,7 @@
                         </a:lnSpc>
                       </a:pPr>
                       <a:r>
-                        <a:rPr lang="en-US" dirty="0">
+                        <a:rPr lang="en-US">
                           <a:latin typeface="Arial" panose="020B0604020202020204" pitchFamily="34" charset="0"/>
                           <a:cs typeface="Arial" panose="020B0604020202020204" pitchFamily="34" charset="0"/>
                         </a:rPr>
@@ -13530,14 +14224,14 @@
                         </a:lnSpc>
                       </a:pPr>
                       <a:r>
-                        <a:rPr lang="en-IN" dirty="0">
+                        <a:rPr lang="en-IN">
                           <a:latin typeface="Arial" panose="020B0604020202020204" pitchFamily="34" charset="0"/>
                           <a:cs typeface="Arial" panose="020B0604020202020204" pitchFamily="34" charset="0"/>
                         </a:rPr>
                         <a:t>Data Flow </a:t>
                       </a:r>
                       <a:r>
-                        <a:rPr lang="en-US" dirty="0">
+                        <a:rPr lang="en-US">
                           <a:latin typeface="Arial" panose="020B0604020202020204" pitchFamily="34" charset="0"/>
                           <a:cs typeface="Arial" panose="020B0604020202020204" pitchFamily="34" charset="0"/>
                         </a:rPr>
@@ -13562,12 +14256,16 @@
                         </a:lnSpc>
                       </a:pPr>
                       <a:r>
-                        <a:rPr lang="en-IN" dirty="0">
+                        <a:rPr lang="en-IN">
                           <a:latin typeface="Arial" panose="020B0604020202020204" pitchFamily="34" charset="0"/>
                           <a:cs typeface="Arial" panose="020B0604020202020204" pitchFamily="34" charset="0"/>
                         </a:rPr>
                         <a:t>9 - 11</a:t>
                       </a:r>
+                      <a:endParaRPr lang="en-IN" dirty="0">
+                        <a:latin typeface="Arial" panose="020B0604020202020204" pitchFamily="34" charset="0"/>
+                        <a:cs typeface="Arial" panose="020B0604020202020204" pitchFamily="34" charset="0"/>
+                      </a:endParaRPr>
                     </a:p>
                   </a:txBody>
                   <a:tcPr/>
@@ -13590,7 +14288,7 @@
                         </a:lnSpc>
                       </a:pPr>
                       <a:r>
-                        <a:rPr lang="en-US" dirty="0">
+                        <a:rPr lang="en-US">
                           <a:latin typeface="Arial" panose="020B0604020202020204" pitchFamily="34" charset="0"/>
                           <a:cs typeface="Arial" panose="020B0604020202020204" pitchFamily="34" charset="0"/>
                         </a:rPr>
@@ -13615,14 +14313,14 @@
                         </a:lnSpc>
                       </a:pPr>
                       <a:r>
-                        <a:rPr lang="en-IN" dirty="0">
+                        <a:rPr lang="en-IN">
                           <a:latin typeface="Arial" panose="020B0604020202020204" pitchFamily="34" charset="0"/>
                           <a:cs typeface="Arial" panose="020B0604020202020204" pitchFamily="34" charset="0"/>
                         </a:rPr>
                         <a:t>ER </a:t>
                       </a:r>
                       <a:r>
-                        <a:rPr lang="en-US" dirty="0">
+                        <a:rPr lang="en-US">
                           <a:latin typeface="Arial" panose="020B0604020202020204" pitchFamily="34" charset="0"/>
                           <a:cs typeface="Arial" panose="020B0604020202020204" pitchFamily="34" charset="0"/>
                         </a:rPr>
@@ -13647,12 +14345,16 @@
                         </a:lnSpc>
                       </a:pPr>
                       <a:r>
-                        <a:rPr lang="en-IN" dirty="0">
+                        <a:rPr lang="en-IN">
                           <a:latin typeface="Arial" panose="020B0604020202020204" pitchFamily="34" charset="0"/>
                           <a:cs typeface="Arial" panose="020B0604020202020204" pitchFamily="34" charset="0"/>
                         </a:rPr>
                         <a:t>12</a:t>
                       </a:r>
+                      <a:endParaRPr lang="en-IN" dirty="0">
+                        <a:latin typeface="Arial" panose="020B0604020202020204" pitchFamily="34" charset="0"/>
+                        <a:cs typeface="Arial" panose="020B0604020202020204" pitchFamily="34" charset="0"/>
+                      </a:endParaRPr>
                     </a:p>
                   </a:txBody>
                   <a:tcPr/>
@@ -13675,7 +14377,7 @@
                         </a:lnSpc>
                       </a:pPr>
                       <a:r>
-                        <a:rPr lang="en-US" dirty="0">
+                        <a:rPr lang="en-US">
                           <a:latin typeface="Arial" panose="020B0604020202020204" pitchFamily="34" charset="0"/>
                           <a:cs typeface="Arial" panose="020B0604020202020204" pitchFamily="34" charset="0"/>
                         </a:rPr>
@@ -13700,7 +14402,7 @@
                         </a:lnSpc>
                       </a:pPr>
                       <a:r>
-                        <a:rPr lang="en-US" dirty="0">
+                        <a:rPr lang="en-US">
                           <a:latin typeface="Arial" panose="020B0604020202020204" pitchFamily="34" charset="0"/>
                           <a:cs typeface="Arial" panose="020B0604020202020204" pitchFamily="34" charset="0"/>
                         </a:rPr>
@@ -13725,12 +14427,16 @@
                         </a:lnSpc>
                       </a:pPr>
                       <a:r>
-                        <a:rPr lang="en-IN" dirty="0">
+                        <a:rPr lang="en-IN">
                           <a:latin typeface="Arial" panose="020B0604020202020204" pitchFamily="34" charset="0"/>
                           <a:cs typeface="Arial" panose="020B0604020202020204" pitchFamily="34" charset="0"/>
                         </a:rPr>
                         <a:t>13</a:t>
                       </a:r>
+                      <a:endParaRPr lang="en-IN" dirty="0">
+                        <a:latin typeface="Arial" panose="020B0604020202020204" pitchFamily="34" charset="0"/>
+                        <a:cs typeface="Arial" panose="020B0604020202020204" pitchFamily="34" charset="0"/>
+                      </a:endParaRPr>
                     </a:p>
                   </a:txBody>
                   <a:tcPr/>
@@ -13753,7 +14459,7 @@
                         </a:lnSpc>
                       </a:pPr>
                       <a:r>
-                        <a:rPr lang="en-US" dirty="0">
+                        <a:rPr lang="en-US">
                           <a:latin typeface="Arial" panose="020B0604020202020204" pitchFamily="34" charset="0"/>
                           <a:cs typeface="Arial" panose="020B0604020202020204" pitchFamily="34" charset="0"/>
                         </a:rPr>
@@ -13778,7 +14484,7 @@
                         </a:lnSpc>
                       </a:pPr>
                       <a:r>
-                        <a:rPr lang="en-US" dirty="0">
+                        <a:rPr lang="en-US">
                           <a:latin typeface="Arial" panose="020B0604020202020204" pitchFamily="34" charset="0"/>
                           <a:cs typeface="Arial" panose="020B0604020202020204" pitchFamily="34" charset="0"/>
                         </a:rPr>
@@ -13803,12 +14509,16 @@
                         </a:lnSpc>
                       </a:pPr>
                       <a:r>
-                        <a:rPr lang="en-IN" dirty="0">
+                        <a:rPr lang="en-IN">
                           <a:latin typeface="Arial" panose="020B0604020202020204" pitchFamily="34" charset="0"/>
                           <a:cs typeface="Arial" panose="020B0604020202020204" pitchFamily="34" charset="0"/>
                         </a:rPr>
                         <a:t>14</a:t>
                       </a:r>
+                      <a:endParaRPr lang="en-IN" dirty="0">
+                        <a:latin typeface="Arial" panose="020B0604020202020204" pitchFamily="34" charset="0"/>
+                        <a:cs typeface="Arial" panose="020B0604020202020204" pitchFamily="34" charset="0"/>
+                      </a:endParaRPr>
                     </a:p>
                   </a:txBody>
                   <a:tcPr/>
@@ -13831,12 +14541,16 @@
                         </a:lnSpc>
                       </a:pPr>
                       <a:r>
-                        <a:rPr lang="en-IN" dirty="0">
+                        <a:rPr lang="en-IN">
                           <a:latin typeface="Arial" panose="020B0604020202020204" pitchFamily="34" charset="0"/>
                           <a:cs typeface="Arial" panose="020B0604020202020204" pitchFamily="34" charset="0"/>
                         </a:rPr>
                         <a:t>11</a:t>
                       </a:r>
+                      <a:endParaRPr lang="en-IN" dirty="0">
+                        <a:latin typeface="Arial" panose="020B0604020202020204" pitchFamily="34" charset="0"/>
+                        <a:cs typeface="Arial" panose="020B0604020202020204" pitchFamily="34" charset="0"/>
+                      </a:endParaRPr>
                     </a:p>
                   </a:txBody>
                   <a:tcPr/>
@@ -13852,7 +14566,7 @@
                         </a:lnSpc>
                       </a:pPr>
                       <a:r>
-                        <a:rPr lang="en-US" dirty="0">
+                        <a:rPr lang="en-US">
                           <a:latin typeface="Arial" panose="020B0604020202020204" pitchFamily="34" charset="0"/>
                           <a:cs typeface="Arial" panose="020B0604020202020204" pitchFamily="34" charset="0"/>
                         </a:rPr>
@@ -13877,12 +14591,16 @@
                         </a:lnSpc>
                       </a:pPr>
                       <a:r>
-                        <a:rPr lang="en-IN" dirty="0">
+                        <a:rPr lang="en-IN">
                           <a:latin typeface="Arial" panose="020B0604020202020204" pitchFamily="34" charset="0"/>
                           <a:cs typeface="Arial" panose="020B0604020202020204" pitchFamily="34" charset="0"/>
                         </a:rPr>
                         <a:t>15</a:t>
                       </a:r>
+                      <a:endParaRPr lang="en-IN" dirty="0">
+                        <a:latin typeface="Arial" panose="020B0604020202020204" pitchFamily="34" charset="0"/>
+                        <a:cs typeface="Arial" panose="020B0604020202020204" pitchFamily="34" charset="0"/>
+                      </a:endParaRPr>
                     </a:p>
                   </a:txBody>
                   <a:tcPr/>
@@ -13905,12 +14623,16 @@
                         </a:lnSpc>
                       </a:pPr>
                       <a:r>
-                        <a:rPr lang="en-IN" dirty="0">
+                        <a:rPr lang="en-IN">
                           <a:latin typeface="Arial" panose="020B0604020202020204" pitchFamily="34" charset="0"/>
                           <a:cs typeface="Arial" panose="020B0604020202020204" pitchFamily="34" charset="0"/>
                         </a:rPr>
                         <a:t>12</a:t>
                       </a:r>
+                      <a:endParaRPr lang="en-IN" dirty="0">
+                        <a:latin typeface="Arial" panose="020B0604020202020204" pitchFamily="34" charset="0"/>
+                        <a:cs typeface="Arial" panose="020B0604020202020204" pitchFamily="34" charset="0"/>
+                      </a:endParaRPr>
                     </a:p>
                   </a:txBody>
                   <a:tcPr/>
@@ -13926,12 +14648,16 @@
                         </a:lnSpc>
                       </a:pPr>
                       <a:r>
-                        <a:rPr lang="en-IN" dirty="0">
+                        <a:rPr lang="en-IN">
                           <a:latin typeface="Arial" panose="020B0604020202020204" pitchFamily="34" charset="0"/>
                           <a:cs typeface="Arial" panose="020B0604020202020204" pitchFamily="34" charset="0"/>
                         </a:rPr>
                         <a:t>Thank You</a:t>
                       </a:r>
+                      <a:endParaRPr lang="en-IN" dirty="0">
+                        <a:latin typeface="Arial" panose="020B0604020202020204" pitchFamily="34" charset="0"/>
+                        <a:cs typeface="Arial" panose="020B0604020202020204" pitchFamily="34" charset="0"/>
+                      </a:endParaRPr>
                     </a:p>
                   </a:txBody>
                   <a:tcPr/>
@@ -13977,6 +14703,18 @@
   <p:clrMapOvr>
     <a:masterClrMapping/>
   </p:clrMapOvr>
+  <mc:AlternateContent xmlns:mc="http://schemas.openxmlformats.org/markup-compatibility/2006">
+    <mc:Choice xmlns:p14="http://schemas.microsoft.com/office/powerpoint/2010/main" Requires="p14">
+      <p:transition spd="slow" p14:dur="1200">
+        <p14:prism/>
+      </p:transition>
+    </mc:Choice>
+    <mc:Fallback>
+      <p:transition spd="slow">
+        <p:fade/>
+      </p:transition>
+    </mc:Fallback>
+  </mc:AlternateContent>
 </p:sld>
 </file>
 
@@ -14145,6 +14883,18 @@
   <p:clrMapOvr>
     <a:masterClrMapping/>
   </p:clrMapOvr>
+  <mc:AlternateContent xmlns:mc="http://schemas.openxmlformats.org/markup-compatibility/2006">
+    <mc:Choice xmlns:p14="http://schemas.microsoft.com/office/powerpoint/2010/main" Requires="p14">
+      <p:transition spd="slow" p14:dur="1200">
+        <p14:prism/>
+      </p:transition>
+    </mc:Choice>
+    <mc:Fallback>
+      <p:transition spd="slow">
+        <p:fade/>
+      </p:transition>
+    </mc:Fallback>
+  </mc:AlternateContent>
 </p:sld>
 </file>
 
@@ -14388,6 +15138,18 @@
   <p:clrMapOvr>
     <a:masterClrMapping/>
   </p:clrMapOvr>
+  <mc:AlternateContent xmlns:mc="http://schemas.openxmlformats.org/markup-compatibility/2006">
+    <mc:Choice xmlns:p14="http://schemas.microsoft.com/office/powerpoint/2010/main" Requires="p14">
+      <p:transition spd="slow" p14:dur="1200">
+        <p14:prism/>
+      </p:transition>
+    </mc:Choice>
+    <mc:Fallback>
+      <p:transition spd="slow">
+        <p:fade/>
+      </p:transition>
+    </mc:Fallback>
+  </mc:AlternateContent>
 </p:sld>
 </file>
 
@@ -14410,10 +15172,10 @@
       </p:grpSpPr>
       <p:sp>
         <p:nvSpPr>
-          <p:cNvPr id="5" name="Title 4">
-            <a:extLst>
-              <a:ext uri="{FF2B5EF4-FFF2-40B4-BE49-F238E27FC236}">
-                <a16:creationId xmlns:a16="http://schemas.microsoft.com/office/drawing/2014/main" id="{2B2FA46E-72C5-19AC-D157-9FE2F271C9EF}"/>
+          <p:cNvPr id="2" name="Title 1">
+            <a:extLst>
+              <a:ext uri="{FF2B5EF4-FFF2-40B4-BE49-F238E27FC236}">
+                <a16:creationId xmlns:a16="http://schemas.microsoft.com/office/drawing/2014/main" id="{99078A38-4771-F5B0-D4D3-F02001EF22A0}"/>
               </a:ext>
             </a:extLst>
           </p:cNvPr>
@@ -14426,8 +15188,8 @@
         </p:nvSpPr>
         <p:spPr>
           <a:xfrm>
-            <a:off x="791628" y="311074"/>
-            <a:ext cx="4552160" cy="848544"/>
+            <a:off x="664384" y="510879"/>
+            <a:ext cx="6273311" cy="970450"/>
           </a:xfrm>
         </p:spPr>
         <p:txBody>
@@ -14435,8 +15197,8 @@
           <a:lstStyle/>
           <a:p>
             <a:pPr marL="571500" indent="-571500">
-              <a:buFont typeface="Arial" panose="020B0604020202020204" pitchFamily="34" charset="0"/>
-              <a:buChar char="•"/>
+              <a:buFont typeface="Wingdings" panose="05000000000000000000" pitchFamily="2" charset="2"/>
+              <a:buChar char="v"/>
             </a:pPr>
             <a:r>
               <a:rPr lang="en-US" dirty="0">
@@ -14446,9 +15208,9 @@
                 <a:latin typeface="Arial" panose="020B0604020202020204" pitchFamily="34" charset="0"/>
                 <a:cs typeface="Arial" panose="020B0604020202020204" pitchFamily="34" charset="0"/>
               </a:rPr>
-              <a:t>Site Purpose</a:t>
-            </a:r>
-            <a:endParaRPr lang="en-US" dirty="0">
+              <a:t>DEVELOPMENT USE</a:t>
+            </a:r>
+            <a:endParaRPr lang="en-IN" dirty="0">
               <a:solidFill>
                 <a:srgbClr val="FFFF00"/>
               </a:solidFill>
@@ -14458,130 +15220,147 @@
       </p:sp>
       <p:sp>
         <p:nvSpPr>
-          <p:cNvPr id="6" name="TextBox 5">
-            <a:extLst>
-              <a:ext uri="{FF2B5EF4-FFF2-40B4-BE49-F238E27FC236}">
-                <a16:creationId xmlns:a16="http://schemas.microsoft.com/office/drawing/2014/main" id="{E443A25D-3523-AB63-03F7-7DD827AE1DCF}"/>
-              </a:ext>
-            </a:extLst>
-          </p:cNvPr>
-          <p:cNvSpPr txBox="1"/>
-          <p:nvPr/>
-        </p:nvSpPr>
-        <p:spPr>
-          <a:xfrm flipH="1">
-            <a:off x="1665378" y="1257703"/>
-            <a:ext cx="6027325" cy="2792111"/>
-          </a:xfrm>
-          <a:prstGeom prst="rect">
-            <a:avLst/>
-          </a:prstGeom>
-          <a:noFill/>
-        </p:spPr>
-        <p:txBody>
-          <a:bodyPr wrap="square" rtlCol="0">
-            <a:spAutoFit/>
+          <p:cNvPr id="3" name="Content Placeholder 2">
+            <a:extLst>
+              <a:ext uri="{FF2B5EF4-FFF2-40B4-BE49-F238E27FC236}">
+                <a16:creationId xmlns:a16="http://schemas.microsoft.com/office/drawing/2014/main" id="{4CD17181-83F5-0D9C-19D7-83FB3350C42D}"/>
+              </a:ext>
+            </a:extLst>
+          </p:cNvPr>
+          <p:cNvSpPr>
+            <a:spLocks noGrp="1"/>
+          </p:cNvSpPr>
+          <p:nvPr>
+            <p:ph idx="1"/>
+          </p:nvPr>
+        </p:nvSpPr>
+        <p:spPr>
+          <a:xfrm>
+            <a:off x="1091792" y="1645809"/>
+            <a:ext cx="7372269" cy="3864038"/>
+          </a:xfrm>
+        </p:spPr>
+        <p:txBody>
+          <a:bodyPr>
+            <a:normAutofit fontScale="62500" lnSpcReduction="20000"/>
           </a:bodyPr>
           <a:lstStyle/>
           <a:p>
-            <a:pPr>
+            <a:pPr marL="1080000" lvl="3" indent="0">
               <a:lnSpc>
-                <a:spcPct val="150000"/>
+                <a:spcPct val="170000"/>
               </a:lnSpc>
+              <a:buNone/>
             </a:pPr>
             <a:r>
-              <a:rPr lang="en-US" sz="2400" dirty="0"/>
-              <a:t>	That Web Site Purpose is a user can Chat freely and upload photos without any charge and verification.  </a:t>
-            </a:r>
-          </a:p>
-          <a:p>
-            <a:pPr>
-              <a:lnSpc>
-                <a:spcPct val="150000"/>
-              </a:lnSpc>
-            </a:pPr>
-            <a:r>
-              <a:rPr lang="en-US" sz="2400" dirty="0"/>
-              <a:t>That website no any limit for chatting and file uploading.</a:t>
-            </a:r>
-          </a:p>
-        </p:txBody>
-      </p:sp>
-      <p:pic>
-        <p:nvPicPr>
-          <p:cNvPr id="3" name="Picture 2">
-            <a:extLst>
-              <a:ext uri="{FF2B5EF4-FFF2-40B4-BE49-F238E27FC236}">
-                <a16:creationId xmlns:a16="http://schemas.microsoft.com/office/drawing/2014/main" id="{663103D4-EEBF-365C-F98F-D0D2943BE5E9}"/>
-              </a:ext>
-            </a:extLst>
-          </p:cNvPr>
-          <p:cNvPicPr>
-            <a:picLocks noChangeAspect="1"/>
-          </p:cNvPicPr>
-          <p:nvPr/>
-        </p:nvPicPr>
-        <p:blipFill>
-          <a:blip r:embed="rId2"/>
-          <a:stretch>
-            <a:fillRect/>
-          </a:stretch>
-        </p:blipFill>
-        <p:spPr>
-          <a:xfrm>
-            <a:off x="9307914" y="3053218"/>
-            <a:ext cx="2504527" cy="3669899"/>
-          </a:xfrm>
-          <a:prstGeom prst="rect">
-            <a:avLst/>
-          </a:prstGeom>
-          <a:ln>
-            <a:noFill/>
-          </a:ln>
-          <a:effectLst>
-            <a:outerShdw blurRad="190500" algn="tl" rotWithShape="0">
-              <a:srgbClr val="000000">
-                <a:alpha val="70000"/>
-              </a:srgbClr>
-            </a:outerShdw>
-          </a:effectLst>
-        </p:spPr>
-      </p:pic>
-      <p:sp>
-        <p:nvSpPr>
-          <p:cNvPr id="4" name="TextBox 3">
-            <a:extLst>
-              <a:ext uri="{FF2B5EF4-FFF2-40B4-BE49-F238E27FC236}">
-                <a16:creationId xmlns:a16="http://schemas.microsoft.com/office/drawing/2014/main" id="{F6B45685-84D1-5CBE-A567-558B75BAB3B2}"/>
-              </a:ext>
-            </a:extLst>
-          </p:cNvPr>
-          <p:cNvSpPr txBox="1"/>
-          <p:nvPr/>
-        </p:nvSpPr>
-        <p:spPr>
-          <a:xfrm>
-            <a:off x="3338818" y="4892411"/>
-            <a:ext cx="5872294" cy="707886"/>
-          </a:xfrm>
-          <a:prstGeom prst="rect">
-            <a:avLst/>
-          </a:prstGeom>
-          <a:noFill/>
-        </p:spPr>
-        <p:txBody>
-          <a:bodyPr wrap="square" rtlCol="0">
-            <a:spAutoFit/>
-          </a:bodyPr>
-          <a:lstStyle/>
-          <a:p>
-            <a:r>
-              <a:rPr lang="en-US" sz="2000" dirty="0">
+              <a:rPr lang="en-US" sz="4500" dirty="0">
                 <a:solidFill>
-                  <a:srgbClr val="FFFF00"/>
+                  <a:srgbClr val="CCFFFF"/>
                 </a:solidFill>
               </a:rPr>
-              <a:t>That site main scope is user can start Chatting with simple login opreation.</a:t>
+              <a:t>Front-end</a:t>
+            </a:r>
+            <a:r>
+              <a:rPr lang="en-US" sz="3600" dirty="0"/>
+              <a:t>    :      </a:t>
+            </a:r>
+            <a:r>
+              <a:rPr lang="en-US" sz="3600" dirty="0">
+                <a:latin typeface="Latha" panose="020B0604020202020204" pitchFamily="34" charset="0"/>
+                <a:cs typeface="Latha" panose="020B0604020202020204" pitchFamily="34" charset="0"/>
+              </a:rPr>
+              <a:t>HTML , CSS , JavaScript</a:t>
+            </a:r>
+          </a:p>
+          <a:p>
+            <a:pPr marL="1080000" lvl="3" indent="0">
+              <a:lnSpc>
+                <a:spcPct val="170000"/>
+              </a:lnSpc>
+              <a:buNone/>
+            </a:pPr>
+            <a:r>
+              <a:rPr lang="en-US" sz="4500" dirty="0">
+                <a:solidFill>
+                  <a:srgbClr val="CCFFFF"/>
+                </a:solidFill>
+              </a:rPr>
+              <a:t>Back-end</a:t>
+            </a:r>
+            <a:r>
+              <a:rPr lang="en-US" sz="3600" dirty="0"/>
+              <a:t>    :      PHP , MYSQL</a:t>
+            </a:r>
+          </a:p>
+          <a:p>
+            <a:pPr marL="1080000" lvl="3" indent="0">
+              <a:lnSpc>
+                <a:spcPct val="170000"/>
+              </a:lnSpc>
+              <a:buNone/>
+            </a:pPr>
+            <a:r>
+              <a:rPr lang="en-US" sz="4500" dirty="0">
+                <a:solidFill>
+                  <a:srgbClr val="CCFFFF"/>
+                </a:solidFill>
+              </a:rPr>
+              <a:t>Editor</a:t>
+            </a:r>
+            <a:r>
+              <a:rPr lang="en-US" sz="3600" dirty="0">
+                <a:solidFill>
+                  <a:schemeClr val="bg2">
+                    <a:lumMod val="40000"/>
+                    <a:lumOff val="60000"/>
+                  </a:schemeClr>
+                </a:solidFill>
+              </a:rPr>
+              <a:t> </a:t>
+            </a:r>
+            <a:r>
+              <a:rPr lang="en-US" sz="3600" dirty="0"/>
+              <a:t>            :     Visual Studio Code</a:t>
+            </a:r>
+          </a:p>
+          <a:p>
+            <a:pPr marL="1080000" lvl="3" indent="0">
+              <a:lnSpc>
+                <a:spcPct val="170000"/>
+              </a:lnSpc>
+              <a:buNone/>
+            </a:pPr>
+            <a:r>
+              <a:rPr lang="en-US" sz="4500" dirty="0">
+                <a:solidFill>
+                  <a:srgbClr val="CCFFFF"/>
+                </a:solidFill>
+              </a:rPr>
+              <a:t>Icons</a:t>
+            </a:r>
+            <a:r>
+              <a:rPr lang="en-US" sz="3600" dirty="0"/>
+              <a:t>              :     Bootstrap</a:t>
+            </a:r>
+          </a:p>
+          <a:p>
+            <a:pPr marL="1080000" lvl="3" indent="0">
+              <a:lnSpc>
+                <a:spcPct val="170000"/>
+              </a:lnSpc>
+              <a:buNone/>
+            </a:pPr>
+            <a:r>
+              <a:rPr lang="en-US" sz="4500" dirty="0">
+                <a:solidFill>
+                  <a:srgbClr val="CCFFFF"/>
+                </a:solidFill>
+              </a:rPr>
+              <a:t>Software</a:t>
+            </a:r>
+            <a:r>
+              <a:rPr lang="en-US" sz="3600" dirty="0"/>
+              <a:t>       :    Xampp </a:t>
             </a:r>
           </a:p>
         </p:txBody>
@@ -14589,13 +15368,25 @@
     </p:spTree>
     <p:extLst>
       <p:ext uri="{BB962C8B-B14F-4D97-AF65-F5344CB8AC3E}">
-        <p14:creationId xmlns:p14="http://schemas.microsoft.com/office/powerpoint/2010/main" val="3474384412"/>
+        <p14:creationId xmlns:p14="http://schemas.microsoft.com/office/powerpoint/2010/main" val="555709304"/>
       </p:ext>
     </p:extLst>
   </p:cSld>
   <p:clrMapOvr>
     <a:masterClrMapping/>
   </p:clrMapOvr>
+  <mc:AlternateContent xmlns:mc="http://schemas.openxmlformats.org/markup-compatibility/2006">
+    <mc:Choice xmlns:p14="http://schemas.microsoft.com/office/powerpoint/2010/main" Requires="p14">
+      <p:transition spd="slow" p14:dur="1200">
+        <p14:prism/>
+      </p:transition>
+    </mc:Choice>
+    <mc:Fallback>
+      <p:transition spd="slow">
+        <p:fade/>
+      </p:transition>
+    </mc:Fallback>
+  </mc:AlternateContent>
 </p:sld>
 </file>
 
@@ -14618,10 +15409,10 @@
       </p:grpSpPr>
       <p:sp>
         <p:nvSpPr>
-          <p:cNvPr id="2" name="Title 1">
-            <a:extLst>
-              <a:ext uri="{FF2B5EF4-FFF2-40B4-BE49-F238E27FC236}">
-                <a16:creationId xmlns:a16="http://schemas.microsoft.com/office/drawing/2014/main" id="{99078A38-4771-F5B0-D4D3-F02001EF22A0}"/>
+          <p:cNvPr id="5" name="Title 4">
+            <a:extLst>
+              <a:ext uri="{FF2B5EF4-FFF2-40B4-BE49-F238E27FC236}">
+                <a16:creationId xmlns:a16="http://schemas.microsoft.com/office/drawing/2014/main" id="{2B2FA46E-72C5-19AC-D157-9FE2F271C9EF}"/>
               </a:ext>
             </a:extLst>
           </p:cNvPr>
@@ -14634,8 +15425,8 @@
         </p:nvSpPr>
         <p:spPr>
           <a:xfrm>
-            <a:off x="664384" y="510879"/>
-            <a:ext cx="6273311" cy="970450"/>
+            <a:off x="791627" y="311074"/>
+            <a:ext cx="5902787" cy="848544"/>
           </a:xfrm>
         </p:spPr>
         <p:txBody>
@@ -14643,8 +15434,8 @@
           <a:lstStyle/>
           <a:p>
             <a:pPr marL="571500" indent="-571500">
-              <a:buFont typeface="Wingdings" panose="05000000000000000000" pitchFamily="2" charset="2"/>
-              <a:buChar char="v"/>
+              <a:buFont typeface="Arial" panose="020B0604020202020204" pitchFamily="34" charset="0"/>
+              <a:buChar char="•"/>
             </a:pPr>
             <a:r>
               <a:rPr lang="en-US" dirty="0">
@@ -14654,9 +15445,9 @@
                 <a:latin typeface="Arial" panose="020B0604020202020204" pitchFamily="34" charset="0"/>
                 <a:cs typeface="Arial" panose="020B0604020202020204" pitchFamily="34" charset="0"/>
               </a:rPr>
-              <a:t>DEVELOPMENT USE</a:t>
-            </a:r>
-            <a:endParaRPr lang="en-IN" dirty="0">
+              <a:t>SITE PURPOSE</a:t>
+            </a:r>
+            <a:endParaRPr lang="en-US" dirty="0">
               <a:solidFill>
                 <a:srgbClr val="FFFF00"/>
               </a:solidFill>
@@ -14666,147 +15457,130 @@
       </p:sp>
       <p:sp>
         <p:nvSpPr>
-          <p:cNvPr id="3" name="Content Placeholder 2">
-            <a:extLst>
-              <a:ext uri="{FF2B5EF4-FFF2-40B4-BE49-F238E27FC236}">
-                <a16:creationId xmlns:a16="http://schemas.microsoft.com/office/drawing/2014/main" id="{4CD17181-83F5-0D9C-19D7-83FB3350C42D}"/>
-              </a:ext>
-            </a:extLst>
-          </p:cNvPr>
-          <p:cNvSpPr>
-            <a:spLocks noGrp="1"/>
-          </p:cNvSpPr>
-          <p:nvPr>
-            <p:ph idx="1"/>
-          </p:nvPr>
-        </p:nvSpPr>
-        <p:spPr>
-          <a:xfrm>
-            <a:off x="1091792" y="1645809"/>
-            <a:ext cx="7372269" cy="3864038"/>
-          </a:xfrm>
-        </p:spPr>
-        <p:txBody>
-          <a:bodyPr>
-            <a:normAutofit fontScale="62500" lnSpcReduction="20000"/>
+          <p:cNvPr id="6" name="TextBox 5">
+            <a:extLst>
+              <a:ext uri="{FF2B5EF4-FFF2-40B4-BE49-F238E27FC236}">
+                <a16:creationId xmlns:a16="http://schemas.microsoft.com/office/drawing/2014/main" id="{E443A25D-3523-AB63-03F7-7DD827AE1DCF}"/>
+              </a:ext>
+            </a:extLst>
+          </p:cNvPr>
+          <p:cNvSpPr txBox="1"/>
+          <p:nvPr/>
+        </p:nvSpPr>
+        <p:spPr>
+          <a:xfrm flipH="1">
+            <a:off x="1665378" y="1257703"/>
+            <a:ext cx="6027325" cy="2792111"/>
+          </a:xfrm>
+          <a:prstGeom prst="rect">
+            <a:avLst/>
+          </a:prstGeom>
+          <a:noFill/>
+        </p:spPr>
+        <p:txBody>
+          <a:bodyPr wrap="square" rtlCol="0">
+            <a:spAutoFit/>
           </a:bodyPr>
           <a:lstStyle/>
           <a:p>
-            <a:pPr marL="1080000" lvl="3" indent="0">
+            <a:pPr>
               <a:lnSpc>
-                <a:spcPct val="170000"/>
+                <a:spcPct val="150000"/>
               </a:lnSpc>
-              <a:buNone/>
             </a:pPr>
             <a:r>
-              <a:rPr lang="en-US" sz="4500" dirty="0">
+              <a:rPr lang="en-US" sz="2400" dirty="0"/>
+              <a:t>	That web site purpose is a user can chat freely and upload photos without any charge and verification.  </a:t>
+            </a:r>
+          </a:p>
+          <a:p>
+            <a:pPr>
+              <a:lnSpc>
+                <a:spcPct val="150000"/>
+              </a:lnSpc>
+            </a:pPr>
+            <a:r>
+              <a:rPr lang="en-US" sz="2400" dirty="0"/>
+              <a:t>That website no any limit for chatting and file uploading.</a:t>
+            </a:r>
+          </a:p>
+        </p:txBody>
+      </p:sp>
+      <p:pic>
+        <p:nvPicPr>
+          <p:cNvPr id="3" name="Picture 2">
+            <a:extLst>
+              <a:ext uri="{FF2B5EF4-FFF2-40B4-BE49-F238E27FC236}">
+                <a16:creationId xmlns:a16="http://schemas.microsoft.com/office/drawing/2014/main" id="{663103D4-EEBF-365C-F98F-D0D2943BE5E9}"/>
+              </a:ext>
+            </a:extLst>
+          </p:cNvPr>
+          <p:cNvPicPr>
+            <a:picLocks noChangeAspect="1"/>
+          </p:cNvPicPr>
+          <p:nvPr/>
+        </p:nvPicPr>
+        <p:blipFill>
+          <a:blip r:embed="rId2"/>
+          <a:stretch>
+            <a:fillRect/>
+          </a:stretch>
+        </p:blipFill>
+        <p:spPr>
+          <a:xfrm>
+            <a:off x="9307914" y="3053218"/>
+            <a:ext cx="2504527" cy="3669899"/>
+          </a:xfrm>
+          <a:prstGeom prst="rect">
+            <a:avLst/>
+          </a:prstGeom>
+          <a:ln>
+            <a:noFill/>
+          </a:ln>
+          <a:effectLst>
+            <a:outerShdw blurRad="190500" algn="tl" rotWithShape="0">
+              <a:srgbClr val="000000">
+                <a:alpha val="70000"/>
+              </a:srgbClr>
+            </a:outerShdw>
+          </a:effectLst>
+        </p:spPr>
+      </p:pic>
+      <p:sp>
+        <p:nvSpPr>
+          <p:cNvPr id="4" name="TextBox 3">
+            <a:extLst>
+              <a:ext uri="{FF2B5EF4-FFF2-40B4-BE49-F238E27FC236}">
+                <a16:creationId xmlns:a16="http://schemas.microsoft.com/office/drawing/2014/main" id="{F6B45685-84D1-5CBE-A567-558B75BAB3B2}"/>
+              </a:ext>
+            </a:extLst>
+          </p:cNvPr>
+          <p:cNvSpPr txBox="1"/>
+          <p:nvPr/>
+        </p:nvSpPr>
+        <p:spPr>
+          <a:xfrm>
+            <a:off x="3338818" y="4892411"/>
+            <a:ext cx="5872294" cy="707886"/>
+          </a:xfrm>
+          <a:prstGeom prst="rect">
+            <a:avLst/>
+          </a:prstGeom>
+          <a:noFill/>
+        </p:spPr>
+        <p:txBody>
+          <a:bodyPr wrap="square" rtlCol="0">
+            <a:spAutoFit/>
+          </a:bodyPr>
+          <a:lstStyle/>
+          <a:p>
+            <a:r>
+              <a:rPr lang="en-US" sz="2000" dirty="0">
                 <a:solidFill>
-                  <a:srgbClr val="CCFFFF"/>
+                  <a:srgbClr val="FFFF00"/>
                 </a:solidFill>
               </a:rPr>
-              <a:t>Front-end</a:t>
-            </a:r>
-            <a:r>
-              <a:rPr lang="en-US" sz="3600" dirty="0"/>
-              <a:t>    :      </a:t>
-            </a:r>
-            <a:r>
-              <a:rPr lang="en-US" sz="3600" dirty="0">
-                <a:latin typeface="Latha" panose="020B0604020202020204" pitchFamily="34" charset="0"/>
-                <a:cs typeface="Latha" panose="020B0604020202020204" pitchFamily="34" charset="0"/>
-              </a:rPr>
-              <a:t>HTML , CSS , JavaScript</a:t>
-            </a:r>
-          </a:p>
-          <a:p>
-            <a:pPr marL="1080000" lvl="3" indent="0">
-              <a:lnSpc>
-                <a:spcPct val="170000"/>
-              </a:lnSpc>
-              <a:buNone/>
-            </a:pPr>
-            <a:r>
-              <a:rPr lang="en-US" sz="4500" dirty="0">
-                <a:solidFill>
-                  <a:srgbClr val="CCFFFF"/>
-                </a:solidFill>
-              </a:rPr>
-              <a:t>Back-end</a:t>
-            </a:r>
-            <a:r>
-              <a:rPr lang="en-US" sz="3600" dirty="0"/>
-              <a:t>    :      PHP , MYSQL</a:t>
-            </a:r>
-          </a:p>
-          <a:p>
-            <a:pPr marL="1080000" lvl="3" indent="0">
-              <a:lnSpc>
-                <a:spcPct val="170000"/>
-              </a:lnSpc>
-              <a:buNone/>
-            </a:pPr>
-            <a:r>
-              <a:rPr lang="en-US" sz="4500" dirty="0">
-                <a:solidFill>
-                  <a:srgbClr val="CCFFFF"/>
-                </a:solidFill>
-              </a:rPr>
-              <a:t>Editor</a:t>
-            </a:r>
-            <a:r>
-              <a:rPr lang="en-US" sz="3600" dirty="0">
-                <a:solidFill>
-                  <a:schemeClr val="bg2">
-                    <a:lumMod val="40000"/>
-                    <a:lumOff val="60000"/>
-                  </a:schemeClr>
-                </a:solidFill>
-              </a:rPr>
-              <a:t> </a:t>
-            </a:r>
-            <a:r>
-              <a:rPr lang="en-US" sz="3600" dirty="0"/>
-              <a:t>            :     Visual Studio Code</a:t>
-            </a:r>
-          </a:p>
-          <a:p>
-            <a:pPr marL="1080000" lvl="3" indent="0">
-              <a:lnSpc>
-                <a:spcPct val="170000"/>
-              </a:lnSpc>
-              <a:buNone/>
-            </a:pPr>
-            <a:r>
-              <a:rPr lang="en-US" sz="4500" dirty="0">
-                <a:solidFill>
-                  <a:srgbClr val="CCFFFF"/>
-                </a:solidFill>
-              </a:rPr>
-              <a:t>Icons</a:t>
-            </a:r>
-            <a:r>
-              <a:rPr lang="en-US" sz="3600" dirty="0"/>
-              <a:t>              :     Bootstrap</a:t>
-            </a:r>
-          </a:p>
-          <a:p>
-            <a:pPr marL="1080000" lvl="3" indent="0">
-              <a:lnSpc>
-                <a:spcPct val="170000"/>
-              </a:lnSpc>
-              <a:buNone/>
-            </a:pPr>
-            <a:r>
-              <a:rPr lang="en-US" sz="4500" dirty="0">
-                <a:solidFill>
-                  <a:srgbClr val="CCFFFF"/>
-                </a:solidFill>
-              </a:rPr>
-              <a:t>Software</a:t>
-            </a:r>
-            <a:r>
-              <a:rPr lang="en-US" sz="3600" dirty="0"/>
-              <a:t>       :    Xampp </a:t>
+              <a:t>That site main scope is user can start chatting with simple login opreation.</a:t>
             </a:r>
           </a:p>
         </p:txBody>
@@ -14814,13 +15588,25 @@
     </p:spTree>
     <p:extLst>
       <p:ext uri="{BB962C8B-B14F-4D97-AF65-F5344CB8AC3E}">
-        <p14:creationId xmlns:p14="http://schemas.microsoft.com/office/powerpoint/2010/main" val="555709304"/>
+        <p14:creationId xmlns:p14="http://schemas.microsoft.com/office/powerpoint/2010/main" val="3474384412"/>
       </p:ext>
     </p:extLst>
   </p:cSld>
   <p:clrMapOvr>
     <a:masterClrMapping/>
   </p:clrMapOvr>
+  <mc:AlternateContent xmlns:mc="http://schemas.openxmlformats.org/markup-compatibility/2006">
+    <mc:Choice xmlns:p14="http://schemas.microsoft.com/office/powerpoint/2010/main" Requires="p14">
+      <p:transition spd="slow" p14:dur="1200">
+        <p14:prism/>
+      </p:transition>
+    </mc:Choice>
+    <mc:Fallback>
+      <p:transition spd="slow">
+        <p:fade/>
+      </p:transition>
+    </mc:Fallback>
+  </mc:AlternateContent>
 </p:sld>
 </file>
 
@@ -14991,6 +15777,18 @@
   <p:clrMapOvr>
     <a:masterClrMapping/>
   </p:clrMapOvr>
+  <mc:AlternateContent xmlns:mc="http://schemas.openxmlformats.org/markup-compatibility/2006">
+    <mc:Choice xmlns:p14="http://schemas.microsoft.com/office/powerpoint/2010/main" Requires="p14">
+      <p:transition spd="slow" p14:dur="1200">
+        <p14:prism/>
+      </p:transition>
+    </mc:Choice>
+    <mc:Fallback>
+      <p:transition spd="slow">
+        <p:fade/>
+      </p:transition>
+    </mc:Fallback>
+  </mc:AlternateContent>
 </p:sld>
 </file>
 
@@ -15025,7 +15823,7 @@
         </p:nvSpPr>
         <p:spPr>
           <a:xfrm>
-            <a:off x="4880428" y="114513"/>
+            <a:off x="4880428" y="575907"/>
             <a:ext cx="1741714" cy="464457"/>
           </a:xfrm>
           <a:prstGeom prst="roundRect">
@@ -15034,13 +15832,13 @@
         </p:spPr>
         <p:style>
           <a:lnRef idx="2">
-            <a:schemeClr val="accent6"/>
+            <a:schemeClr val="dk1"/>
           </a:lnRef>
           <a:fillRef idx="1">
             <a:schemeClr val="lt1"/>
           </a:fillRef>
           <a:effectRef idx="0">
-            <a:schemeClr val="accent6"/>
+            <a:schemeClr val="dk1"/>
           </a:effectRef>
           <a:fontRef idx="minor">
             <a:schemeClr val="dk1"/>
@@ -15128,9 +15926,9 @@
           <p:nvPr/>
         </p:nvCxnSpPr>
         <p:spPr>
-          <a:xfrm flipH="1">
-            <a:off x="5741734" y="578970"/>
-            <a:ext cx="9551" cy="563194"/>
+          <a:xfrm>
+            <a:off x="5751285" y="1040364"/>
+            <a:ext cx="0" cy="343837"/>
           </a:xfrm>
           <a:prstGeom prst="straightConnector1">
             <a:avLst/>
@@ -15171,22 +15969,24 @@
         </p:nvSpPr>
         <p:spPr>
           <a:xfrm>
-            <a:off x="4578576" y="1142164"/>
-            <a:ext cx="2326316" cy="464457"/>
+            <a:off x="4111237" y="1384201"/>
+            <a:ext cx="3280095" cy="675848"/>
           </a:xfrm>
           <a:prstGeom prst="parallelogram">
-            <a:avLst/>
+            <a:avLst>
+              <a:gd name="adj" fmla="val 46101"/>
+            </a:avLst>
           </a:prstGeom>
         </p:spPr>
         <p:style>
           <a:lnRef idx="2">
-            <a:schemeClr val="accent6"/>
+            <a:schemeClr val="dk1"/>
           </a:lnRef>
           <a:fillRef idx="1">
             <a:schemeClr val="lt1"/>
           </a:fillRef>
           <a:effectRef idx="0">
-            <a:schemeClr val="accent6"/>
+            <a:schemeClr val="dk1"/>
           </a:effectRef>
           <a:fontRef idx="minor">
             <a:schemeClr val="dk1"/>
@@ -15197,7 +15997,596 @@
           <a:lstStyle/>
           <a:p>
             <a:pPr algn="ctr"/>
-            <a:endParaRPr lang="en-IN"/>
+            <a:r>
+              <a:rPr lang="en-IN" sz="1600" dirty="0">
+                <a:latin typeface="Arial" panose="020B0604020202020204" pitchFamily="34" charset="0"/>
+                <a:cs typeface="Arial" panose="020B0604020202020204" pitchFamily="34" charset="0"/>
+              </a:rPr>
+              <a:t>User Input  </a:t>
+            </a:r>
+          </a:p>
+          <a:p>
+            <a:pPr algn="ctr"/>
+            <a:r>
+              <a:rPr lang="en-US" sz="1600" dirty="0">
+                <a:latin typeface="Arial" panose="020B0604020202020204" pitchFamily="34" charset="0"/>
+                <a:cs typeface="Arial" panose="020B0604020202020204" pitchFamily="34" charset="0"/>
+              </a:rPr>
+              <a:t>Username and Password </a:t>
+            </a:r>
+            <a:endParaRPr lang="en-IN" sz="1600" dirty="0">
+              <a:latin typeface="Arial" panose="020B0604020202020204" pitchFamily="34" charset="0"/>
+              <a:cs typeface="Arial" panose="020B0604020202020204" pitchFamily="34" charset="0"/>
+            </a:endParaRPr>
+          </a:p>
+        </p:txBody>
+      </p:sp>
+      <p:cxnSp>
+        <p:nvCxnSpPr>
+          <p:cNvPr id="7" name="Straight Arrow Connector 6">
+            <a:extLst>
+              <a:ext uri="{FF2B5EF4-FFF2-40B4-BE49-F238E27FC236}">
+                <a16:creationId xmlns:a16="http://schemas.microsoft.com/office/drawing/2014/main" id="{3BCD1723-58F4-46DC-9405-AE67779A56CD}"/>
+              </a:ext>
+            </a:extLst>
+          </p:cNvPr>
+          <p:cNvCxnSpPr>
+            <a:cxnSpLocks/>
+            <a:stCxn id="8" idx="4"/>
+            <a:endCxn id="9" idx="0"/>
+          </p:cNvCxnSpPr>
+          <p:nvPr/>
+        </p:nvCxnSpPr>
+        <p:spPr>
+          <a:xfrm>
+            <a:off x="5751285" y="2060049"/>
+            <a:ext cx="0" cy="453018"/>
+          </a:xfrm>
+          <a:prstGeom prst="straightConnector1">
+            <a:avLst/>
+          </a:prstGeom>
+          <a:ln>
+            <a:solidFill>
+              <a:schemeClr val="tx1"/>
+            </a:solidFill>
+            <a:tailEnd type="triangle"/>
+          </a:ln>
+        </p:spPr>
+        <p:style>
+          <a:lnRef idx="1">
+            <a:schemeClr val="accent1"/>
+          </a:lnRef>
+          <a:fillRef idx="0">
+            <a:schemeClr val="accent1"/>
+          </a:fillRef>
+          <a:effectRef idx="0">
+            <a:schemeClr val="accent1"/>
+          </a:effectRef>
+          <a:fontRef idx="minor">
+            <a:schemeClr val="tx1"/>
+          </a:fontRef>
+        </p:style>
+      </p:cxnSp>
+      <p:sp>
+        <p:nvSpPr>
+          <p:cNvPr id="9" name="Diamond 8">
+            <a:extLst>
+              <a:ext uri="{FF2B5EF4-FFF2-40B4-BE49-F238E27FC236}">
+                <a16:creationId xmlns:a16="http://schemas.microsoft.com/office/drawing/2014/main" id="{54FC5C08-0A14-F6E4-53FA-E55FD34247C1}"/>
+              </a:ext>
+            </a:extLst>
+          </p:cNvPr>
+          <p:cNvSpPr/>
+          <p:nvPr/>
+        </p:nvSpPr>
+        <p:spPr>
+          <a:xfrm>
+            <a:off x="4647937" y="2513067"/>
+            <a:ext cx="2206696" cy="1068755"/>
+          </a:xfrm>
+          <a:prstGeom prst="diamond">
+            <a:avLst/>
+          </a:prstGeom>
+          <a:ln/>
+        </p:spPr>
+        <p:style>
+          <a:lnRef idx="2">
+            <a:schemeClr val="dk1"/>
+          </a:lnRef>
+          <a:fillRef idx="1">
+            <a:schemeClr val="lt1"/>
+          </a:fillRef>
+          <a:effectRef idx="0">
+            <a:schemeClr val="dk1"/>
+          </a:effectRef>
+          <a:fontRef idx="minor">
+            <a:schemeClr val="dk1"/>
+          </a:fontRef>
+        </p:style>
+        <p:txBody>
+          <a:bodyPr rtlCol="0" anchor="ctr"/>
+          <a:lstStyle/>
+          <a:p>
+            <a:pPr algn="ctr"/>
+            <a:r>
+              <a:rPr lang="en-US" sz="1600" dirty="0">
+                <a:latin typeface="Arial" panose="020B0604020202020204" pitchFamily="34" charset="0"/>
+                <a:cs typeface="Arial" panose="020B0604020202020204" pitchFamily="34" charset="0"/>
+              </a:rPr>
+              <a:t>Check if Valid user</a:t>
+            </a:r>
+          </a:p>
+        </p:txBody>
+      </p:sp>
+      <p:cxnSp>
+        <p:nvCxnSpPr>
+          <p:cNvPr id="42" name="Straight Arrow Connector 41">
+            <a:extLst>
+              <a:ext uri="{FF2B5EF4-FFF2-40B4-BE49-F238E27FC236}">
+                <a16:creationId xmlns:a16="http://schemas.microsoft.com/office/drawing/2014/main" id="{28F09FD8-7C92-F885-B610-77443C0F2033}"/>
+              </a:ext>
+            </a:extLst>
+          </p:cNvPr>
+          <p:cNvCxnSpPr>
+            <a:cxnSpLocks/>
+            <a:stCxn id="9" idx="3"/>
+            <a:endCxn id="65" idx="1"/>
+          </p:cNvCxnSpPr>
+          <p:nvPr/>
+        </p:nvCxnSpPr>
+        <p:spPr>
+          <a:xfrm flipV="1">
+            <a:off x="6854633" y="3033880"/>
+            <a:ext cx="1651804" cy="13565"/>
+          </a:xfrm>
+          <a:prstGeom prst="straightConnector1">
+            <a:avLst/>
+          </a:prstGeom>
+          <a:ln>
+            <a:solidFill>
+              <a:schemeClr val="tx1"/>
+            </a:solidFill>
+            <a:tailEnd type="triangle"/>
+          </a:ln>
+        </p:spPr>
+        <p:style>
+          <a:lnRef idx="1">
+            <a:schemeClr val="accent1"/>
+          </a:lnRef>
+          <a:fillRef idx="0">
+            <a:schemeClr val="accent1"/>
+          </a:fillRef>
+          <a:effectRef idx="0">
+            <a:schemeClr val="accent1"/>
+          </a:effectRef>
+          <a:fontRef idx="minor">
+            <a:schemeClr val="tx1"/>
+          </a:fontRef>
+        </p:style>
+      </p:cxnSp>
+      <p:sp>
+        <p:nvSpPr>
+          <p:cNvPr id="65" name="Rectangle 64">
+            <a:extLst>
+              <a:ext uri="{FF2B5EF4-FFF2-40B4-BE49-F238E27FC236}">
+                <a16:creationId xmlns:a16="http://schemas.microsoft.com/office/drawing/2014/main" id="{972A2BF5-CA16-75BE-CA87-CD7297502CC0}"/>
+              </a:ext>
+            </a:extLst>
+          </p:cNvPr>
+          <p:cNvSpPr/>
+          <p:nvPr/>
+        </p:nvSpPr>
+        <p:spPr>
+          <a:xfrm>
+            <a:off x="8506437" y="2812832"/>
+            <a:ext cx="1496608" cy="442096"/>
+          </a:xfrm>
+          <a:prstGeom prst="rect">
+            <a:avLst/>
+          </a:prstGeom>
+          <a:solidFill>
+            <a:schemeClr val="tx1"/>
+          </a:solidFill>
+          <a:ln>
+            <a:solidFill>
+              <a:schemeClr val="bg1"/>
+            </a:solidFill>
+          </a:ln>
+        </p:spPr>
+        <p:style>
+          <a:lnRef idx="2">
+            <a:schemeClr val="accent1">
+              <a:shade val="50000"/>
+            </a:schemeClr>
+          </a:lnRef>
+          <a:fillRef idx="1">
+            <a:schemeClr val="accent1"/>
+          </a:fillRef>
+          <a:effectRef idx="0">
+            <a:schemeClr val="accent1"/>
+          </a:effectRef>
+          <a:fontRef idx="minor">
+            <a:schemeClr val="lt1"/>
+          </a:fontRef>
+        </p:style>
+        <p:txBody>
+          <a:bodyPr rtlCol="0" anchor="ctr"/>
+          <a:lstStyle/>
+          <a:p>
+            <a:pPr algn="ctr"/>
+            <a:r>
+              <a:rPr lang="en-US" dirty="0">
+                <a:solidFill>
+                  <a:schemeClr val="bg1"/>
+                </a:solidFill>
+              </a:rPr>
+              <a:t>NOT VALID </a:t>
+            </a:r>
+          </a:p>
+        </p:txBody>
+      </p:sp>
+      <p:cxnSp>
+        <p:nvCxnSpPr>
+          <p:cNvPr id="67" name="Straight Arrow Connector 66">
+            <a:extLst>
+              <a:ext uri="{FF2B5EF4-FFF2-40B4-BE49-F238E27FC236}">
+                <a16:creationId xmlns:a16="http://schemas.microsoft.com/office/drawing/2014/main" id="{9557FDD9-D69C-0DC8-16C5-0525766758B1}"/>
+              </a:ext>
+            </a:extLst>
+          </p:cNvPr>
+          <p:cNvCxnSpPr>
+            <a:cxnSpLocks/>
+            <a:endCxn id="3" idx="3"/>
+          </p:cNvCxnSpPr>
+          <p:nvPr/>
+        </p:nvCxnSpPr>
+        <p:spPr>
+          <a:xfrm flipH="1">
+            <a:off x="6622142" y="808135"/>
+            <a:ext cx="2628418" cy="1"/>
+          </a:xfrm>
+          <a:prstGeom prst="straightConnector1">
+            <a:avLst/>
+          </a:prstGeom>
+          <a:ln>
+            <a:solidFill>
+              <a:schemeClr val="tx1"/>
+            </a:solidFill>
+            <a:tailEnd type="triangle"/>
+          </a:ln>
+        </p:spPr>
+        <p:style>
+          <a:lnRef idx="1">
+            <a:schemeClr val="accent1"/>
+          </a:lnRef>
+          <a:fillRef idx="0">
+            <a:schemeClr val="accent1"/>
+          </a:fillRef>
+          <a:effectRef idx="0">
+            <a:schemeClr val="accent1"/>
+          </a:effectRef>
+          <a:fontRef idx="minor">
+            <a:schemeClr val="tx1"/>
+          </a:fontRef>
+        </p:style>
+      </p:cxnSp>
+      <p:cxnSp>
+        <p:nvCxnSpPr>
+          <p:cNvPr id="70" name="Straight Connector 69">
+            <a:extLst>
+              <a:ext uri="{FF2B5EF4-FFF2-40B4-BE49-F238E27FC236}">
+                <a16:creationId xmlns:a16="http://schemas.microsoft.com/office/drawing/2014/main" id="{7B53DDBC-FD6C-C0B1-820D-BE1DB559150C}"/>
+              </a:ext>
+            </a:extLst>
+          </p:cNvPr>
+          <p:cNvCxnSpPr>
+            <a:cxnSpLocks/>
+          </p:cNvCxnSpPr>
+          <p:nvPr/>
+        </p:nvCxnSpPr>
+        <p:spPr>
+          <a:xfrm>
+            <a:off x="9250560" y="808135"/>
+            <a:ext cx="3959" cy="2004697"/>
+          </a:xfrm>
+          <a:prstGeom prst="line">
+            <a:avLst/>
+          </a:prstGeom>
+          <a:ln>
+            <a:solidFill>
+              <a:schemeClr val="tx1"/>
+            </a:solidFill>
+          </a:ln>
+        </p:spPr>
+        <p:style>
+          <a:lnRef idx="1">
+            <a:schemeClr val="accent1"/>
+          </a:lnRef>
+          <a:fillRef idx="0">
+            <a:schemeClr val="accent1"/>
+          </a:fillRef>
+          <a:effectRef idx="0">
+            <a:schemeClr val="accent1"/>
+          </a:effectRef>
+          <a:fontRef idx="minor">
+            <a:schemeClr val="tx1"/>
+          </a:fontRef>
+        </p:style>
+      </p:cxnSp>
+      <p:sp>
+        <p:nvSpPr>
+          <p:cNvPr id="72" name="TextBox 71">
+            <a:extLst>
+              <a:ext uri="{FF2B5EF4-FFF2-40B4-BE49-F238E27FC236}">
+                <a16:creationId xmlns:a16="http://schemas.microsoft.com/office/drawing/2014/main" id="{7685158E-C9E2-1FC5-67E1-6535D9849BC0}"/>
+              </a:ext>
+            </a:extLst>
+          </p:cNvPr>
+          <p:cNvSpPr txBox="1"/>
+          <p:nvPr/>
+        </p:nvSpPr>
+        <p:spPr>
+          <a:xfrm>
+            <a:off x="5887289" y="3850174"/>
+            <a:ext cx="967343" cy="400110"/>
+          </a:xfrm>
+          <a:prstGeom prst="rect">
+            <a:avLst/>
+          </a:prstGeom>
+          <a:noFill/>
+        </p:spPr>
+        <p:txBody>
+          <a:bodyPr wrap="square" rtlCol="0">
+            <a:spAutoFit/>
+          </a:bodyPr>
+          <a:lstStyle/>
+          <a:p>
+            <a:r>
+              <a:rPr lang="en-US" sz="2000" b="1" dirty="0"/>
+              <a:t>True</a:t>
+            </a:r>
+          </a:p>
+        </p:txBody>
+      </p:sp>
+      <p:cxnSp>
+        <p:nvCxnSpPr>
+          <p:cNvPr id="74" name="Straight Arrow Connector 73">
+            <a:extLst>
+              <a:ext uri="{FF2B5EF4-FFF2-40B4-BE49-F238E27FC236}">
+                <a16:creationId xmlns:a16="http://schemas.microsoft.com/office/drawing/2014/main" id="{FC5F3736-087F-2B2D-3504-E2A760CE278C}"/>
+              </a:ext>
+            </a:extLst>
+          </p:cNvPr>
+          <p:cNvCxnSpPr>
+            <a:cxnSpLocks/>
+            <a:stCxn id="9" idx="2"/>
+            <a:endCxn id="78" idx="0"/>
+          </p:cNvCxnSpPr>
+          <p:nvPr/>
+        </p:nvCxnSpPr>
+        <p:spPr>
+          <a:xfrm>
+            <a:off x="5751285" y="3581822"/>
+            <a:ext cx="0" cy="717536"/>
+          </a:xfrm>
+          <a:prstGeom prst="straightConnector1">
+            <a:avLst/>
+          </a:prstGeom>
+          <a:ln>
+            <a:solidFill>
+              <a:schemeClr val="tx1"/>
+            </a:solidFill>
+            <a:tailEnd type="triangle"/>
+          </a:ln>
+        </p:spPr>
+        <p:style>
+          <a:lnRef idx="1">
+            <a:schemeClr val="accent1"/>
+          </a:lnRef>
+          <a:fillRef idx="0">
+            <a:schemeClr val="accent1"/>
+          </a:fillRef>
+          <a:effectRef idx="0">
+            <a:schemeClr val="accent1"/>
+          </a:effectRef>
+          <a:fontRef idx="minor">
+            <a:schemeClr val="tx1"/>
+          </a:fontRef>
+        </p:style>
+      </p:cxnSp>
+      <p:sp>
+        <p:nvSpPr>
+          <p:cNvPr id="78" name="Rectangle 77">
+            <a:extLst>
+              <a:ext uri="{FF2B5EF4-FFF2-40B4-BE49-F238E27FC236}">
+                <a16:creationId xmlns:a16="http://schemas.microsoft.com/office/drawing/2014/main" id="{C047AB55-2190-4682-98A2-F25419BDF5FF}"/>
+              </a:ext>
+            </a:extLst>
+          </p:cNvPr>
+          <p:cNvSpPr/>
+          <p:nvPr/>
+        </p:nvSpPr>
+        <p:spPr>
+          <a:xfrm>
+            <a:off x="4956743" y="4299358"/>
+            <a:ext cx="1589083" cy="422803"/>
+          </a:xfrm>
+          <a:prstGeom prst="rect">
+            <a:avLst/>
+          </a:prstGeom>
+          <a:solidFill>
+            <a:schemeClr val="tx1"/>
+          </a:solidFill>
+          <a:ln>
+            <a:solidFill>
+              <a:schemeClr val="bg1"/>
+            </a:solidFill>
+          </a:ln>
+        </p:spPr>
+        <p:style>
+          <a:lnRef idx="2">
+            <a:schemeClr val="accent1">
+              <a:shade val="50000"/>
+            </a:schemeClr>
+          </a:lnRef>
+          <a:fillRef idx="1">
+            <a:schemeClr val="accent1"/>
+          </a:fillRef>
+          <a:effectRef idx="0">
+            <a:schemeClr val="accent1"/>
+          </a:effectRef>
+          <a:fontRef idx="minor">
+            <a:schemeClr val="lt1"/>
+          </a:fontRef>
+        </p:style>
+        <p:txBody>
+          <a:bodyPr rtlCol="0" anchor="ctr"/>
+          <a:lstStyle/>
+          <a:p>
+            <a:pPr algn="ctr"/>
+            <a:r>
+              <a:rPr lang="en-US" dirty="0">
+                <a:solidFill>
+                  <a:schemeClr val="bg1"/>
+                </a:solidFill>
+              </a:rPr>
+              <a:t>VALID </a:t>
+            </a:r>
+          </a:p>
+        </p:txBody>
+      </p:sp>
+      <p:sp>
+        <p:nvSpPr>
+          <p:cNvPr id="96" name="TextBox 95">
+            <a:extLst>
+              <a:ext uri="{FF2B5EF4-FFF2-40B4-BE49-F238E27FC236}">
+                <a16:creationId xmlns:a16="http://schemas.microsoft.com/office/drawing/2014/main" id="{F370C83F-FDFE-D85B-4EA2-0DF82230A4A6}"/>
+              </a:ext>
+            </a:extLst>
+          </p:cNvPr>
+          <p:cNvSpPr txBox="1"/>
+          <p:nvPr/>
+        </p:nvSpPr>
+        <p:spPr>
+          <a:xfrm>
+            <a:off x="7282423" y="2625328"/>
+            <a:ext cx="1317072" cy="400110"/>
+          </a:xfrm>
+          <a:prstGeom prst="rect">
+            <a:avLst/>
+          </a:prstGeom>
+          <a:noFill/>
+        </p:spPr>
+        <p:txBody>
+          <a:bodyPr wrap="square" rtlCol="0">
+            <a:spAutoFit/>
+          </a:bodyPr>
+          <a:lstStyle/>
+          <a:p>
+            <a:r>
+              <a:rPr lang="en-US" sz="2000" b="1" dirty="0"/>
+              <a:t>False</a:t>
+            </a:r>
+          </a:p>
+        </p:txBody>
+      </p:sp>
+      <p:cxnSp>
+        <p:nvCxnSpPr>
+          <p:cNvPr id="100" name="Straight Arrow Connector 99">
+            <a:extLst>
+              <a:ext uri="{FF2B5EF4-FFF2-40B4-BE49-F238E27FC236}">
+                <a16:creationId xmlns:a16="http://schemas.microsoft.com/office/drawing/2014/main" id="{F78E769B-948F-3D76-669D-1C047AF98DB1}"/>
+              </a:ext>
+            </a:extLst>
+          </p:cNvPr>
+          <p:cNvCxnSpPr>
+            <a:cxnSpLocks/>
+            <a:stCxn id="78" idx="2"/>
+            <a:endCxn id="104" idx="0"/>
+          </p:cNvCxnSpPr>
+          <p:nvPr/>
+        </p:nvCxnSpPr>
+        <p:spPr>
+          <a:xfrm>
+            <a:off x="5751285" y="4722161"/>
+            <a:ext cx="4044" cy="609024"/>
+          </a:xfrm>
+          <a:prstGeom prst="straightConnector1">
+            <a:avLst/>
+          </a:prstGeom>
+          <a:ln>
+            <a:solidFill>
+              <a:schemeClr val="tx1"/>
+            </a:solidFill>
+            <a:tailEnd type="triangle"/>
+          </a:ln>
+        </p:spPr>
+        <p:style>
+          <a:lnRef idx="1">
+            <a:schemeClr val="accent1"/>
+          </a:lnRef>
+          <a:fillRef idx="0">
+            <a:schemeClr val="accent1"/>
+          </a:fillRef>
+          <a:effectRef idx="0">
+            <a:schemeClr val="accent1"/>
+          </a:effectRef>
+          <a:fontRef idx="minor">
+            <a:schemeClr val="tx1"/>
+          </a:fontRef>
+        </p:style>
+      </p:cxnSp>
+      <p:sp>
+        <p:nvSpPr>
+          <p:cNvPr id="104" name="Oval 103">
+            <a:extLst>
+              <a:ext uri="{FF2B5EF4-FFF2-40B4-BE49-F238E27FC236}">
+                <a16:creationId xmlns:a16="http://schemas.microsoft.com/office/drawing/2014/main" id="{1D2916D7-343E-BC2D-16E9-D2797CDF8748}"/>
+              </a:ext>
+            </a:extLst>
+          </p:cNvPr>
+          <p:cNvSpPr/>
+          <p:nvPr/>
+        </p:nvSpPr>
+        <p:spPr>
+          <a:xfrm>
+            <a:off x="4910455" y="5331185"/>
+            <a:ext cx="1689748" cy="1065402"/>
+          </a:xfrm>
+          <a:prstGeom prst="ellipse">
+            <a:avLst/>
+          </a:prstGeom>
+        </p:spPr>
+        <p:style>
+          <a:lnRef idx="2">
+            <a:schemeClr val="dk1"/>
+          </a:lnRef>
+          <a:fillRef idx="1">
+            <a:schemeClr val="lt1"/>
+          </a:fillRef>
+          <a:effectRef idx="0">
+            <a:schemeClr val="dk1"/>
+          </a:effectRef>
+          <a:fontRef idx="minor">
+            <a:schemeClr val="dk1"/>
+          </a:fontRef>
+        </p:style>
+        <p:txBody>
+          <a:bodyPr rtlCol="0" anchor="ctr"/>
+          <a:lstStyle/>
+          <a:p>
+            <a:pPr algn="ctr"/>
+            <a:r>
+              <a:rPr lang="en-US" dirty="0"/>
+              <a:t>Start </a:t>
+            </a:r>
+          </a:p>
+          <a:p>
+            <a:pPr algn="ctr"/>
+            <a:r>
+              <a:rPr lang="en-US" dirty="0"/>
+              <a:t>Chatting </a:t>
+            </a:r>
           </a:p>
         </p:txBody>
       </p:sp>
@@ -15211,6 +16600,18 @@
   <p:clrMapOvr>
     <a:masterClrMapping/>
   </p:clrMapOvr>
+  <mc:AlternateContent xmlns:mc="http://schemas.openxmlformats.org/markup-compatibility/2006">
+    <mc:Choice xmlns:p14="http://schemas.microsoft.com/office/powerpoint/2010/main" Requires="p14">
+      <p:transition spd="slow" p14:dur="1200">
+        <p14:prism/>
+      </p:transition>
+    </mc:Choice>
+    <mc:Fallback>
+      <p:transition spd="slow">
+        <p:fade/>
+      </p:transition>
+    </mc:Fallback>
+  </mc:AlternateContent>
 </p:sld>
 </file>
 
@@ -15860,7 +17261,7 @@
         </p:nvSpPr>
         <p:spPr>
           <a:xfrm>
-            <a:off x="2225653" y="4196594"/>
+            <a:off x="2124985" y="4196594"/>
             <a:ext cx="2858613" cy="369244"/>
           </a:xfrm>
           <a:prstGeom prst="rect">
@@ -15876,7 +17277,7 @@
           <a:p>
             <a:r>
               <a:rPr lang="en-US" dirty="0"/>
-              <a:t>User Connect System</a:t>
+              <a:t>User Request to System</a:t>
             </a:r>
             <a:endParaRPr lang="en-IN" dirty="0"/>
           </a:p>
@@ -15896,7 +17297,7 @@
         </p:nvSpPr>
         <p:spPr>
           <a:xfrm>
-            <a:off x="2184184" y="3441374"/>
+            <a:off x="2101149" y="2923530"/>
             <a:ext cx="2999828" cy="369332"/>
           </a:xfrm>
           <a:prstGeom prst="rect">
@@ -15932,7 +17333,7 @@
         </p:nvSpPr>
         <p:spPr>
           <a:xfrm>
-            <a:off x="7740081" y="3476097"/>
+            <a:off x="7624390" y="2990925"/>
             <a:ext cx="2999828" cy="369332"/>
           </a:xfrm>
           <a:prstGeom prst="rect">
@@ -15968,7 +17369,7 @@
         </p:nvSpPr>
         <p:spPr>
           <a:xfrm>
-            <a:off x="7976508" y="4136467"/>
+            <a:off x="7624390" y="4131960"/>
             <a:ext cx="2858613" cy="369244"/>
           </a:xfrm>
           <a:prstGeom prst="rect">
@@ -15984,7 +17385,7 @@
           <a:p>
             <a:r>
               <a:rPr lang="en-US" dirty="0"/>
-              <a:t>User Connect System</a:t>
+              <a:t>User Request to System</a:t>
             </a:r>
             <a:endParaRPr lang="en-IN" dirty="0"/>
           </a:p>
@@ -16000,6 +17401,18 @@
   <p:clrMapOvr>
     <a:masterClrMapping/>
   </p:clrMapOvr>
+  <mc:AlternateContent xmlns:mc="http://schemas.openxmlformats.org/markup-compatibility/2006">
+    <mc:Choice xmlns:p14="http://schemas.microsoft.com/office/powerpoint/2010/main" Requires="p14">
+      <p:transition spd="slow" p14:dur="1200">
+        <p14:prism/>
+      </p:transition>
+    </mc:Choice>
+    <mc:Fallback>
+      <p:transition spd="slow">
+        <p:fade/>
+      </p:transition>
+    </mc:Fallback>
+  </mc:AlternateContent>
 </p:sld>
 </file>
 
@@ -16267,4 +17680,299 @@
     </a:ext>
   </a:extLst>
 </a:theme>
+</file>
+
+<file path=ppt/theme/theme2.xml><?xml version="1.0" encoding="utf-8"?>
+<a:theme xmlns:a="http://schemas.openxmlformats.org/drawingml/2006/main" name="Office Theme">
+  <a:themeElements>
+    <a:clrScheme name="Office">
+      <a:dk1>
+        <a:sysClr val="windowText" lastClr="000000"/>
+      </a:dk1>
+      <a:lt1>
+        <a:sysClr val="window" lastClr="FFFFFF"/>
+      </a:lt1>
+      <a:dk2>
+        <a:srgbClr val="44546A"/>
+      </a:dk2>
+      <a:lt2>
+        <a:srgbClr val="E7E6E6"/>
+      </a:lt2>
+      <a:accent1>
+        <a:srgbClr val="4472C4"/>
+      </a:accent1>
+      <a:accent2>
+        <a:srgbClr val="ED7D31"/>
+      </a:accent2>
+      <a:accent3>
+        <a:srgbClr val="A5A5A5"/>
+      </a:accent3>
+      <a:accent4>
+        <a:srgbClr val="FFC000"/>
+      </a:accent4>
+      <a:accent5>
+        <a:srgbClr val="5B9BD5"/>
+      </a:accent5>
+      <a:accent6>
+        <a:srgbClr val="70AD47"/>
+      </a:accent6>
+      <a:hlink>
+        <a:srgbClr val="0563C1"/>
+      </a:hlink>
+      <a:folHlink>
+        <a:srgbClr val="954F72"/>
+      </a:folHlink>
+    </a:clrScheme>
+    <a:fontScheme name="Office">
+      <a:majorFont>
+        <a:latin typeface="Calibri Light" panose="020F0302020204030204"/>
+        <a:ea typeface=""/>
+        <a:cs typeface=""/>
+        <a:font script="Jpan" typeface="游ゴシック Light"/>
+        <a:font script="Hang" typeface="맑은 고딕"/>
+        <a:font script="Hans" typeface="等线 Light"/>
+        <a:font script="Hant" typeface="新細明體"/>
+        <a:font script="Arab" typeface="Times New Roman"/>
+        <a:font script="Hebr" typeface="Times New Roman"/>
+        <a:font script="Thai" typeface="Angsana New"/>
+        <a:font script="Ethi" typeface="Nyala"/>
+        <a:font script="Beng" typeface="Vrinda"/>
+        <a:font script="Gujr" typeface="Shruti"/>
+        <a:font script="Khmr" typeface="MoolBoran"/>
+        <a:font script="Knda" typeface="Tunga"/>
+        <a:font script="Guru" typeface="Raavi"/>
+        <a:font script="Cans" typeface="Euphemia"/>
+        <a:font script="Cher" typeface="Plantagenet Cherokee"/>
+        <a:font script="Yiii" typeface="Microsoft Yi Baiti"/>
+        <a:font script="Tibt" typeface="Microsoft Himalaya"/>
+        <a:font script="Thaa" typeface="MV Boli"/>
+        <a:font script="Deva" typeface="Mangal"/>
+        <a:font script="Telu" typeface="Gautami"/>
+        <a:font script="Taml" typeface="Latha"/>
+        <a:font script="Syrc" typeface="Estrangelo Edessa"/>
+        <a:font script="Orya" typeface="Kalinga"/>
+        <a:font script="Mlym" typeface="Kartika"/>
+        <a:font script="Laoo" typeface="DokChampa"/>
+        <a:font script="Sinh" typeface="Iskoola Pota"/>
+        <a:font script="Mong" typeface="Mongolian Baiti"/>
+        <a:font script="Viet" typeface="Times New Roman"/>
+        <a:font script="Uigh" typeface="Microsoft Uighur"/>
+        <a:font script="Geor" typeface="Sylfaen"/>
+        <a:font script="Armn" typeface="Arial"/>
+        <a:font script="Bugi" typeface="Leelawadee UI"/>
+        <a:font script="Bopo" typeface="Microsoft JhengHei"/>
+        <a:font script="Java" typeface="Javanese Text"/>
+        <a:font script="Lisu" typeface="Segoe UI"/>
+        <a:font script="Mymr" typeface="Myanmar Text"/>
+        <a:font script="Nkoo" typeface="Ebrima"/>
+        <a:font script="Olck" typeface="Nirmala UI"/>
+        <a:font script="Osma" typeface="Ebrima"/>
+        <a:font script="Phag" typeface="Phagspa"/>
+        <a:font script="Syrn" typeface="Estrangelo Edessa"/>
+        <a:font script="Syrj" typeface="Estrangelo Edessa"/>
+        <a:font script="Syre" typeface="Estrangelo Edessa"/>
+        <a:font script="Sora" typeface="Nirmala UI"/>
+        <a:font script="Tale" typeface="Microsoft Tai Le"/>
+        <a:font script="Talu" typeface="Microsoft New Tai Lue"/>
+        <a:font script="Tfng" typeface="Ebrima"/>
+      </a:majorFont>
+      <a:minorFont>
+        <a:latin typeface="Calibri" panose="020F0502020204030204"/>
+        <a:ea typeface=""/>
+        <a:cs typeface=""/>
+        <a:font script="Jpan" typeface="游ゴシック"/>
+        <a:font script="Hang" typeface="맑은 고딕"/>
+        <a:font script="Hans" typeface="等线"/>
+        <a:font script="Hant" typeface="新細明體"/>
+        <a:font script="Arab" typeface="Arial"/>
+        <a:font script="Hebr" typeface="Arial"/>
+        <a:font script="Thai" typeface="Cordia New"/>
+        <a:font script="Ethi" typeface="Nyala"/>
+        <a:font script="Beng" typeface="Vrinda"/>
+        <a:font script="Gujr" typeface="Shruti"/>
+        <a:font script="Khmr" typeface="DaunPenh"/>
+        <a:font script="Knda" typeface="Tunga"/>
+        <a:font script="Guru" typeface="Raavi"/>
+        <a:font script="Cans" typeface="Euphemia"/>
+        <a:font script="Cher" typeface="Plantagenet Cherokee"/>
+        <a:font script="Yiii" typeface="Microsoft Yi Baiti"/>
+        <a:font script="Tibt" typeface="Microsoft Himalaya"/>
+        <a:font script="Thaa" typeface="MV Boli"/>
+        <a:font script="Deva" typeface="Mangal"/>
+        <a:font script="Telu" typeface="Gautami"/>
+        <a:font script="Taml" typeface="Latha"/>
+        <a:font script="Syrc" typeface="Estrangelo Edessa"/>
+        <a:font script="Orya" typeface="Kalinga"/>
+        <a:font script="Mlym" typeface="Kartika"/>
+        <a:font script="Laoo" typeface="DokChampa"/>
+        <a:font script="Sinh" typeface="Iskoola Pota"/>
+        <a:font script="Mong" typeface="Mongolian Baiti"/>
+        <a:font script="Viet" typeface="Arial"/>
+        <a:font script="Uigh" typeface="Microsoft Uighur"/>
+        <a:font script="Geor" typeface="Sylfaen"/>
+        <a:font script="Armn" typeface="Arial"/>
+        <a:font script="Bugi" typeface="Leelawadee UI"/>
+        <a:font script="Bopo" typeface="Microsoft JhengHei"/>
+        <a:font script="Java" typeface="Javanese Text"/>
+        <a:font script="Lisu" typeface="Segoe UI"/>
+        <a:font script="Mymr" typeface="Myanmar Text"/>
+        <a:font script="Nkoo" typeface="Ebrima"/>
+        <a:font script="Olck" typeface="Nirmala UI"/>
+        <a:font script="Osma" typeface="Ebrima"/>
+        <a:font script="Phag" typeface="Phagspa"/>
+        <a:font script="Syrn" typeface="Estrangelo Edessa"/>
+        <a:font script="Syrj" typeface="Estrangelo Edessa"/>
+        <a:font script="Syre" typeface="Estrangelo Edessa"/>
+        <a:font script="Sora" typeface="Nirmala UI"/>
+        <a:font script="Tale" typeface="Microsoft Tai Le"/>
+        <a:font script="Talu" typeface="Microsoft New Tai Lue"/>
+        <a:font script="Tfng" typeface="Ebrima"/>
+      </a:minorFont>
+    </a:fontScheme>
+    <a:fmtScheme name="Office">
+      <a:fillStyleLst>
+        <a:solidFill>
+          <a:schemeClr val="phClr"/>
+        </a:solidFill>
+        <a:gradFill rotWithShape="1">
+          <a:gsLst>
+            <a:gs pos="0">
+              <a:schemeClr val="phClr">
+                <a:lumMod val="110000"/>
+                <a:satMod val="105000"/>
+                <a:tint val="67000"/>
+              </a:schemeClr>
+            </a:gs>
+            <a:gs pos="50000">
+              <a:schemeClr val="phClr">
+                <a:lumMod val="105000"/>
+                <a:satMod val="103000"/>
+                <a:tint val="73000"/>
+              </a:schemeClr>
+            </a:gs>
+            <a:gs pos="100000">
+              <a:schemeClr val="phClr">
+                <a:lumMod val="105000"/>
+                <a:satMod val="109000"/>
+                <a:tint val="81000"/>
+              </a:schemeClr>
+            </a:gs>
+          </a:gsLst>
+          <a:lin ang="5400000" scaled="0"/>
+        </a:gradFill>
+        <a:gradFill rotWithShape="1">
+          <a:gsLst>
+            <a:gs pos="0">
+              <a:schemeClr val="phClr">
+                <a:satMod val="103000"/>
+                <a:lumMod val="102000"/>
+                <a:tint val="94000"/>
+              </a:schemeClr>
+            </a:gs>
+            <a:gs pos="50000">
+              <a:schemeClr val="phClr">
+                <a:satMod val="110000"/>
+                <a:lumMod val="100000"/>
+                <a:shade val="100000"/>
+              </a:schemeClr>
+            </a:gs>
+            <a:gs pos="100000">
+              <a:schemeClr val="phClr">
+                <a:lumMod val="99000"/>
+                <a:satMod val="120000"/>
+                <a:shade val="78000"/>
+              </a:schemeClr>
+            </a:gs>
+          </a:gsLst>
+          <a:lin ang="5400000" scaled="0"/>
+        </a:gradFill>
+      </a:fillStyleLst>
+      <a:lnStyleLst>
+        <a:ln w="6350" cap="flat" cmpd="sng" algn="ctr">
+          <a:solidFill>
+            <a:schemeClr val="phClr"/>
+          </a:solidFill>
+          <a:prstDash val="solid"/>
+          <a:miter lim="800000"/>
+        </a:ln>
+        <a:ln w="12700" cap="flat" cmpd="sng" algn="ctr">
+          <a:solidFill>
+            <a:schemeClr val="phClr"/>
+          </a:solidFill>
+          <a:prstDash val="solid"/>
+          <a:miter lim="800000"/>
+        </a:ln>
+        <a:ln w="19050" cap="flat" cmpd="sng" algn="ctr">
+          <a:solidFill>
+            <a:schemeClr val="phClr"/>
+          </a:solidFill>
+          <a:prstDash val="solid"/>
+          <a:miter lim="800000"/>
+        </a:ln>
+      </a:lnStyleLst>
+      <a:effectStyleLst>
+        <a:effectStyle>
+          <a:effectLst/>
+        </a:effectStyle>
+        <a:effectStyle>
+          <a:effectLst/>
+        </a:effectStyle>
+        <a:effectStyle>
+          <a:effectLst>
+            <a:outerShdw blurRad="57150" dist="19050" dir="5400000" algn="ctr" rotWithShape="0">
+              <a:srgbClr val="000000">
+                <a:alpha val="63000"/>
+              </a:srgbClr>
+            </a:outerShdw>
+          </a:effectLst>
+        </a:effectStyle>
+      </a:effectStyleLst>
+      <a:bgFillStyleLst>
+        <a:solidFill>
+          <a:schemeClr val="phClr"/>
+        </a:solidFill>
+        <a:solidFill>
+          <a:schemeClr val="phClr">
+            <a:tint val="95000"/>
+            <a:satMod val="170000"/>
+          </a:schemeClr>
+        </a:solidFill>
+        <a:gradFill rotWithShape="1">
+          <a:gsLst>
+            <a:gs pos="0">
+              <a:schemeClr val="phClr">
+                <a:tint val="93000"/>
+                <a:satMod val="150000"/>
+                <a:shade val="98000"/>
+                <a:lumMod val="102000"/>
+              </a:schemeClr>
+            </a:gs>
+            <a:gs pos="50000">
+              <a:schemeClr val="phClr">
+                <a:tint val="98000"/>
+                <a:satMod val="130000"/>
+                <a:shade val="90000"/>
+                <a:lumMod val="103000"/>
+              </a:schemeClr>
+            </a:gs>
+            <a:gs pos="100000">
+              <a:schemeClr val="phClr">
+                <a:shade val="63000"/>
+                <a:satMod val="120000"/>
+              </a:schemeClr>
+            </a:gs>
+          </a:gsLst>
+          <a:lin ang="5400000" scaled="0"/>
+        </a:gradFill>
+      </a:bgFillStyleLst>
+    </a:fmtScheme>
+  </a:themeElements>
+  <a:objectDefaults/>
+  <a:extraClrSchemeLst/>
+  <a:extLst>
+    <a:ext uri="{05A4C25C-085E-4340-85A3-A5531E510DB2}">
+      <thm15:themeFamily xmlns:thm15="http://schemas.microsoft.com/office/thememl/2012/main" name="Office Theme" id="{62F939B6-93AF-4DB8-9C6B-D6C7DFDC589F}" vid="{4A3C46E8-61CC-4603-A589-7422A47A8E4A}"/>
+    </a:ext>
+  </a:extLst>
+</a:theme>
 </file>
--- a/Project Live chat.pptx
+++ b/Project Live chat.pptx
@@ -723,13 +723,13 @@
   <p:clrMapOvr>
     <a:masterClrMapping/>
   </p:clrMapOvr>
-  <mc:AlternateContent xmlns:mc="http://schemas.openxmlformats.org/markup-compatibility/2006">
-    <mc:Choice xmlns:p14="http://schemas.microsoft.com/office/powerpoint/2010/main" Requires="p14">
+  <mc:AlternateContent xmlns:mc="http://schemas.openxmlformats.org/markup-compatibility/2006" xmlns:p14="http://schemas.microsoft.com/office/powerpoint/2010/main">
+    <mc:Choice Requires="p14">
       <p:transition spd="slow" p14:dur="1200">
         <p14:prism/>
       </p:transition>
     </mc:Choice>
-    <mc:Fallback>
+    <mc:Fallback xmlns="">
       <p:transition spd="slow">
         <p:fade/>
       </p:transition>
@@ -1010,13 +1010,13 @@
   <p:clrMapOvr>
     <a:masterClrMapping/>
   </p:clrMapOvr>
-  <mc:AlternateContent xmlns:mc="http://schemas.openxmlformats.org/markup-compatibility/2006">
-    <mc:Choice xmlns:p14="http://schemas.microsoft.com/office/powerpoint/2010/main" Requires="p14">
+  <mc:AlternateContent xmlns:mc="http://schemas.openxmlformats.org/markup-compatibility/2006" xmlns:p14="http://schemas.microsoft.com/office/powerpoint/2010/main">
+    <mc:Choice Requires="p14">
       <p:transition spd="slow" p14:dur="1200">
         <p14:prism/>
       </p:transition>
     </mc:Choice>
-    <mc:Fallback>
+    <mc:Fallback xmlns="">
       <p:transition spd="slow">
         <p:fade/>
       </p:transition>
@@ -1217,13 +1217,13 @@
   <p:clrMapOvr>
     <a:masterClrMapping/>
   </p:clrMapOvr>
-  <mc:AlternateContent xmlns:mc="http://schemas.openxmlformats.org/markup-compatibility/2006">
-    <mc:Choice xmlns:p14="http://schemas.microsoft.com/office/powerpoint/2010/main" Requires="p14">
+  <mc:AlternateContent xmlns:mc="http://schemas.openxmlformats.org/markup-compatibility/2006" xmlns:p14="http://schemas.microsoft.com/office/powerpoint/2010/main">
+    <mc:Choice Requires="p14">
       <p:transition spd="slow" p14:dur="1200">
         <p14:prism/>
       </p:transition>
     </mc:Choice>
-    <mc:Fallback>
+    <mc:Fallback xmlns="">
       <p:transition spd="slow">
         <p:fade/>
       </p:transition>
@@ -1597,13 +1597,13 @@
   <p:clrMapOvr>
     <a:masterClrMapping/>
   </p:clrMapOvr>
-  <mc:AlternateContent xmlns:mc="http://schemas.openxmlformats.org/markup-compatibility/2006">
-    <mc:Choice xmlns:p14="http://schemas.microsoft.com/office/powerpoint/2010/main" Requires="p14">
+  <mc:AlternateContent xmlns:mc="http://schemas.openxmlformats.org/markup-compatibility/2006" xmlns:p14="http://schemas.microsoft.com/office/powerpoint/2010/main">
+    <mc:Choice Requires="p14">
       <p:transition spd="slow" p14:dur="1200">
         <p14:prism/>
       </p:transition>
     </mc:Choice>
-    <mc:Fallback>
+    <mc:Fallback xmlns="">
       <p:transition spd="slow">
         <p:fade/>
       </p:transition>
@@ -1857,13 +1857,13 @@
   <p:clrMapOvr>
     <a:masterClrMapping/>
   </p:clrMapOvr>
-  <mc:AlternateContent xmlns:mc="http://schemas.openxmlformats.org/markup-compatibility/2006">
-    <mc:Choice xmlns:p14="http://schemas.microsoft.com/office/powerpoint/2010/main" Requires="p14">
+  <mc:AlternateContent xmlns:mc="http://schemas.openxmlformats.org/markup-compatibility/2006" xmlns:p14="http://schemas.microsoft.com/office/powerpoint/2010/main">
+    <mc:Choice Requires="p14">
       <p:transition spd="slow" p14:dur="1200">
         <p14:prism/>
       </p:transition>
     </mc:Choice>
-    <mc:Fallback>
+    <mc:Fallback xmlns="">
       <p:transition spd="slow">
         <p:fade/>
       </p:transition>
@@ -2493,13 +2493,13 @@
   <p:clrMapOvr>
     <a:masterClrMapping/>
   </p:clrMapOvr>
-  <mc:AlternateContent xmlns:mc="http://schemas.openxmlformats.org/markup-compatibility/2006">
-    <mc:Choice xmlns:p14="http://schemas.microsoft.com/office/powerpoint/2010/main" Requires="p14">
+  <mc:AlternateContent xmlns:mc="http://schemas.openxmlformats.org/markup-compatibility/2006" xmlns:p14="http://schemas.microsoft.com/office/powerpoint/2010/main">
+    <mc:Choice Requires="p14">
       <p:transition spd="slow" p14:dur="1200">
         <p14:prism/>
       </p:transition>
     </mc:Choice>
-    <mc:Fallback>
+    <mc:Fallback xmlns="">
       <p:transition spd="slow">
         <p:fade/>
       </p:transition>
@@ -3366,13 +3366,13 @@
   <p:clrMapOvr>
     <a:masterClrMapping/>
   </p:clrMapOvr>
-  <mc:AlternateContent xmlns:mc="http://schemas.openxmlformats.org/markup-compatibility/2006">
-    <mc:Choice xmlns:p14="http://schemas.microsoft.com/office/powerpoint/2010/main" Requires="p14">
+  <mc:AlternateContent xmlns:mc="http://schemas.openxmlformats.org/markup-compatibility/2006" xmlns:p14="http://schemas.microsoft.com/office/powerpoint/2010/main">
+    <mc:Choice Requires="p14">
       <p:transition spd="slow" p14:dur="1200">
         <p14:prism/>
       </p:transition>
     </mc:Choice>
-    <mc:Fallback>
+    <mc:Fallback xmlns="">
       <p:transition spd="slow">
         <p:fade/>
       </p:transition>
@@ -3549,13 +3549,13 @@
   <p:clrMapOvr>
     <a:masterClrMapping/>
   </p:clrMapOvr>
-  <mc:AlternateContent xmlns:mc="http://schemas.openxmlformats.org/markup-compatibility/2006">
-    <mc:Choice xmlns:p14="http://schemas.microsoft.com/office/powerpoint/2010/main" Requires="p14">
+  <mc:AlternateContent xmlns:mc="http://schemas.openxmlformats.org/markup-compatibility/2006" xmlns:p14="http://schemas.microsoft.com/office/powerpoint/2010/main">
+    <mc:Choice Requires="p14">
       <p:transition spd="slow" p14:dur="1200">
         <p14:prism/>
       </p:transition>
     </mc:Choice>
-    <mc:Fallback>
+    <mc:Fallback xmlns="">
       <p:transition spd="slow">
         <p:fade/>
       </p:transition>
@@ -3742,13 +3742,13 @@
   <p:clrMapOvr>
     <a:masterClrMapping/>
   </p:clrMapOvr>
-  <mc:AlternateContent xmlns:mc="http://schemas.openxmlformats.org/markup-compatibility/2006">
-    <mc:Choice xmlns:p14="http://schemas.microsoft.com/office/powerpoint/2010/main" Requires="p14">
+  <mc:AlternateContent xmlns:mc="http://schemas.openxmlformats.org/markup-compatibility/2006" xmlns:p14="http://schemas.microsoft.com/office/powerpoint/2010/main">
+    <mc:Choice Requires="p14">
       <p:transition spd="slow" p14:dur="1200">
         <p14:prism/>
       </p:transition>
     </mc:Choice>
-    <mc:Fallback>
+    <mc:Fallback xmlns="">
       <p:transition spd="slow">
         <p:fade/>
       </p:transition>
@@ -3925,13 +3925,13 @@
   <p:clrMapOvr>
     <a:masterClrMapping/>
   </p:clrMapOvr>
-  <mc:AlternateContent xmlns:mc="http://schemas.openxmlformats.org/markup-compatibility/2006">
-    <mc:Choice xmlns:p14="http://schemas.microsoft.com/office/powerpoint/2010/main" Requires="p14">
+  <mc:AlternateContent xmlns:mc="http://schemas.openxmlformats.org/markup-compatibility/2006" xmlns:p14="http://schemas.microsoft.com/office/powerpoint/2010/main">
+    <mc:Choice Requires="p14">
       <p:transition spd="slow" p14:dur="1200">
         <p14:prism/>
       </p:transition>
     </mc:Choice>
-    <mc:Fallback>
+    <mc:Fallback xmlns="">
       <p:transition spd="slow">
         <p:fade/>
       </p:transition>
@@ -4185,13 +4185,13 @@
   <p:clrMapOvr>
     <a:masterClrMapping/>
   </p:clrMapOvr>
-  <mc:AlternateContent xmlns:mc="http://schemas.openxmlformats.org/markup-compatibility/2006">
-    <mc:Choice xmlns:p14="http://schemas.microsoft.com/office/powerpoint/2010/main" Requires="p14">
+  <mc:AlternateContent xmlns:mc="http://schemas.openxmlformats.org/markup-compatibility/2006" xmlns:p14="http://schemas.microsoft.com/office/powerpoint/2010/main">
+    <mc:Choice Requires="p14">
       <p:transition spd="slow" p14:dur="1200">
         <p14:prism/>
       </p:transition>
     </mc:Choice>
-    <mc:Fallback>
+    <mc:Fallback xmlns="">
       <p:transition spd="slow">
         <p:fade/>
       </p:transition>
@@ -4489,13 +4489,13 @@
   <p:clrMapOvr>
     <a:masterClrMapping/>
   </p:clrMapOvr>
-  <mc:AlternateContent xmlns:mc="http://schemas.openxmlformats.org/markup-compatibility/2006">
-    <mc:Choice xmlns:p14="http://schemas.microsoft.com/office/powerpoint/2010/main" Requires="p14">
+  <mc:AlternateContent xmlns:mc="http://schemas.openxmlformats.org/markup-compatibility/2006" xmlns:p14="http://schemas.microsoft.com/office/powerpoint/2010/main">
+    <mc:Choice Requires="p14">
       <p:transition spd="slow" p14:dur="1200">
         <p14:prism/>
       </p:transition>
     </mc:Choice>
-    <mc:Fallback>
+    <mc:Fallback xmlns="">
       <p:transition spd="slow">
         <p:fade/>
       </p:transition>
@@ -4946,13 +4946,13 @@
   <p:clrMapOvr>
     <a:masterClrMapping/>
   </p:clrMapOvr>
-  <mc:AlternateContent xmlns:mc="http://schemas.openxmlformats.org/markup-compatibility/2006">
-    <mc:Choice xmlns:p14="http://schemas.microsoft.com/office/powerpoint/2010/main" Requires="p14">
+  <mc:AlternateContent xmlns:mc="http://schemas.openxmlformats.org/markup-compatibility/2006" xmlns:p14="http://schemas.microsoft.com/office/powerpoint/2010/main">
+    <mc:Choice Requires="p14">
       <p:transition spd="slow" p14:dur="1200">
         <p14:prism/>
       </p:transition>
     </mc:Choice>
-    <mc:Fallback>
+    <mc:Fallback xmlns="">
       <p:transition spd="slow">
         <p:fade/>
       </p:transition>
@@ -5077,13 +5077,13 @@
   <p:clrMapOvr>
     <a:masterClrMapping/>
   </p:clrMapOvr>
-  <mc:AlternateContent xmlns:mc="http://schemas.openxmlformats.org/markup-compatibility/2006">
-    <mc:Choice xmlns:p14="http://schemas.microsoft.com/office/powerpoint/2010/main" Requires="p14">
+  <mc:AlternateContent xmlns:mc="http://schemas.openxmlformats.org/markup-compatibility/2006" xmlns:p14="http://schemas.microsoft.com/office/powerpoint/2010/main">
+    <mc:Choice Requires="p14">
       <p:transition spd="slow" p14:dur="1200">
         <p14:prism/>
       </p:transition>
     </mc:Choice>
-    <mc:Fallback>
+    <mc:Fallback xmlns="">
       <p:transition spd="slow">
         <p:fade/>
       </p:transition>
@@ -5184,13 +5184,13 @@
   <p:clrMapOvr>
     <a:masterClrMapping/>
   </p:clrMapOvr>
-  <mc:AlternateContent xmlns:mc="http://schemas.openxmlformats.org/markup-compatibility/2006">
-    <mc:Choice xmlns:p14="http://schemas.microsoft.com/office/powerpoint/2010/main" Requires="p14">
+  <mc:AlternateContent xmlns:mc="http://schemas.openxmlformats.org/markup-compatibility/2006" xmlns:p14="http://schemas.microsoft.com/office/powerpoint/2010/main">
+    <mc:Choice Requires="p14">
       <p:transition spd="slow" p14:dur="1200">
         <p14:prism/>
       </p:transition>
     </mc:Choice>
-    <mc:Fallback>
+    <mc:Fallback xmlns="">
       <p:transition spd="slow">
         <p:fade/>
       </p:transition>
@@ -5475,13 +5475,13 @@
   <p:clrMapOvr>
     <a:masterClrMapping/>
   </p:clrMapOvr>
-  <mc:AlternateContent xmlns:mc="http://schemas.openxmlformats.org/markup-compatibility/2006">
-    <mc:Choice xmlns:p14="http://schemas.microsoft.com/office/powerpoint/2010/main" Requires="p14">
+  <mc:AlternateContent xmlns:mc="http://schemas.openxmlformats.org/markup-compatibility/2006" xmlns:p14="http://schemas.microsoft.com/office/powerpoint/2010/main">
+    <mc:Choice Requires="p14">
       <p:transition spd="slow" p14:dur="1200">
         <p14:prism/>
       </p:transition>
     </mc:Choice>
-    <mc:Fallback>
+    <mc:Fallback xmlns="">
       <p:transition spd="slow">
         <p:fade/>
       </p:transition>
@@ -5764,13 +5764,13 @@
   <p:clrMapOvr>
     <a:masterClrMapping/>
   </p:clrMapOvr>
-  <mc:AlternateContent xmlns:mc="http://schemas.openxmlformats.org/markup-compatibility/2006">
-    <mc:Choice xmlns:p14="http://schemas.microsoft.com/office/powerpoint/2010/main" Requires="p14">
+  <mc:AlternateContent xmlns:mc="http://schemas.openxmlformats.org/markup-compatibility/2006" xmlns:p14="http://schemas.microsoft.com/office/powerpoint/2010/main">
+    <mc:Choice Requires="p14">
       <p:transition spd="slow" p14:dur="1200">
         <p14:prism/>
       </p:transition>
     </mc:Choice>
-    <mc:Fallback>
+    <mc:Fallback xmlns="">
       <p:transition spd="slow">
         <p:fade/>
       </p:transition>
@@ -6259,13 +6259,13 @@
     <p:sldLayoutId id="2147483976" r:id="rId16"/>
     <p:sldLayoutId id="2147483977" r:id="rId17"/>
   </p:sldLayoutIdLst>
-  <mc:AlternateContent xmlns:mc="http://schemas.openxmlformats.org/markup-compatibility/2006">
-    <mc:Choice xmlns:p14="http://schemas.microsoft.com/office/powerpoint/2010/main" Requires="p14">
+  <mc:AlternateContent xmlns:mc="http://schemas.openxmlformats.org/markup-compatibility/2006" xmlns:p14="http://schemas.microsoft.com/office/powerpoint/2010/main">
+    <mc:Choice Requires="p14">
       <p:transition spd="slow" p14:dur="1200">
         <p14:prism/>
       </p:transition>
     </mc:Choice>
-    <mc:Fallback>
+    <mc:Fallback xmlns="">
       <p:transition spd="slow">
         <p:fade/>
       </p:transition>
@@ -6706,8 +6706,8 @@
         </p:nvSpPr>
         <p:spPr>
           <a:xfrm>
-            <a:off x="530355" y="138690"/>
-            <a:ext cx="10727670" cy="3653134"/>
+            <a:off x="1473667" y="482637"/>
+            <a:ext cx="10083566" cy="3653134"/>
           </a:xfrm>
         </p:spPr>
         <p:txBody>
@@ -6871,7 +6871,7 @@
         </p:nvSpPr>
         <p:spPr>
           <a:xfrm>
-            <a:off x="427102" y="5089861"/>
+            <a:off x="762662" y="5089861"/>
             <a:ext cx="12344437" cy="1768139"/>
           </a:xfrm>
         </p:spPr>
@@ -6903,13 +6903,13 @@
   <p:clrMapOvr>
     <a:masterClrMapping/>
   </p:clrMapOvr>
-  <mc:AlternateContent xmlns:mc="http://schemas.openxmlformats.org/markup-compatibility/2006">
-    <mc:Choice xmlns:p14="http://schemas.microsoft.com/office/powerpoint/2010/main" Requires="p14">
+  <mc:AlternateContent xmlns:mc="http://schemas.openxmlformats.org/markup-compatibility/2006" xmlns:p14="http://schemas.microsoft.com/office/powerpoint/2010/main">
+    <mc:Choice Requires="p14">
       <p:transition spd="slow" p14:dur="1200">
         <p14:prism/>
       </p:transition>
     </mc:Choice>
-    <mc:Fallback>
+    <mc:Fallback xmlns="">
       <p:transition spd="slow">
         <p:fade/>
       </p:transition>
@@ -9498,13 +9498,13 @@
   <p:clrMapOvr>
     <a:masterClrMapping/>
   </p:clrMapOvr>
-  <mc:AlternateContent xmlns:mc="http://schemas.openxmlformats.org/markup-compatibility/2006">
-    <mc:Choice xmlns:p14="http://schemas.microsoft.com/office/powerpoint/2010/main" Requires="p14">
+  <mc:AlternateContent xmlns:mc="http://schemas.openxmlformats.org/markup-compatibility/2006" xmlns:p14="http://schemas.microsoft.com/office/powerpoint/2010/main">
+    <mc:Choice Requires="p14">
       <p:transition spd="slow" p14:dur="1200">
         <p14:prism/>
       </p:transition>
     </mc:Choice>
-    <mc:Fallback>
+    <mc:Fallback xmlns="">
       <p:transition spd="slow">
         <p:fade/>
       </p:transition>
@@ -10909,13 +10909,13 @@
   <p:clrMapOvr>
     <a:masterClrMapping/>
   </p:clrMapOvr>
-  <mc:AlternateContent xmlns:mc="http://schemas.openxmlformats.org/markup-compatibility/2006">
-    <mc:Choice xmlns:p14="http://schemas.microsoft.com/office/powerpoint/2010/main" Requires="p14">
+  <mc:AlternateContent xmlns:mc="http://schemas.openxmlformats.org/markup-compatibility/2006" xmlns:p14="http://schemas.microsoft.com/office/powerpoint/2010/main">
+    <mc:Choice Requires="p14">
       <p:transition spd="slow" p14:dur="1200">
         <p14:prism/>
       </p:transition>
     </mc:Choice>
-    <mc:Fallback>
+    <mc:Fallback xmlns="">
       <p:transition spd="slow">
         <p:fade/>
       </p:transition>
@@ -12796,13 +12796,13 @@
   <p:clrMapOvr>
     <a:masterClrMapping/>
   </p:clrMapOvr>
-  <mc:AlternateContent xmlns:mc="http://schemas.openxmlformats.org/markup-compatibility/2006">
-    <mc:Choice xmlns:p14="http://schemas.microsoft.com/office/powerpoint/2010/main" Requires="p14">
+  <mc:AlternateContent xmlns:mc="http://schemas.openxmlformats.org/markup-compatibility/2006" xmlns:p14="http://schemas.microsoft.com/office/powerpoint/2010/main">
+    <mc:Choice Requires="p14">
       <p:transition spd="slow" p14:dur="1200">
         <p14:prism/>
       </p:transition>
     </mc:Choice>
-    <mc:Fallback>
+    <mc:Fallback xmlns="">
       <p:transition spd="slow">
         <p:fade/>
       </p:transition>
@@ -12981,13 +12981,13 @@
   <p:clrMapOvr>
     <a:masterClrMapping/>
   </p:clrMapOvr>
-  <mc:AlternateContent xmlns:mc="http://schemas.openxmlformats.org/markup-compatibility/2006">
-    <mc:Choice xmlns:p14="http://schemas.microsoft.com/office/powerpoint/2010/main" Requires="p14">
+  <mc:AlternateContent xmlns:mc="http://schemas.openxmlformats.org/markup-compatibility/2006" xmlns:p14="http://schemas.microsoft.com/office/powerpoint/2010/main">
+    <mc:Choice Requires="p14">
       <p:transition spd="slow" p14:dur="1200">
         <p14:prism/>
       </p:transition>
     </mc:Choice>
-    <mc:Fallback>
+    <mc:Fallback xmlns="">
       <p:transition spd="slow">
         <p:fade/>
       </p:transition>
@@ -13143,13 +13143,13 @@
   <p:clrMapOvr>
     <a:masterClrMapping/>
   </p:clrMapOvr>
-  <mc:AlternateContent xmlns:mc="http://schemas.openxmlformats.org/markup-compatibility/2006">
-    <mc:Choice xmlns:p14="http://schemas.microsoft.com/office/powerpoint/2010/main" Requires="p14">
+  <mc:AlternateContent xmlns:mc="http://schemas.openxmlformats.org/markup-compatibility/2006" xmlns:p14="http://schemas.microsoft.com/office/powerpoint/2010/main">
+    <mc:Choice Requires="p14">
       <p:transition spd="slow" p14:dur="1200">
         <p14:prism/>
       </p:transition>
     </mc:Choice>
-    <mc:Fallback>
+    <mc:Fallback xmlns="">
       <p:transition spd="slow">
         <p:fade/>
       </p:transition>
@@ -13481,13 +13481,13 @@
   <p:clrMapOvr>
     <a:masterClrMapping/>
   </p:clrMapOvr>
-  <mc:AlternateContent xmlns:mc="http://schemas.openxmlformats.org/markup-compatibility/2006">
-    <mc:Choice xmlns:p14="http://schemas.microsoft.com/office/powerpoint/2010/main" Requires="p14">
+  <mc:AlternateContent xmlns:mc="http://schemas.openxmlformats.org/markup-compatibility/2006" xmlns:p14="http://schemas.microsoft.com/office/powerpoint/2010/main">
+    <mc:Choice Requires="p14">
       <p:transition spd="slow" p14:dur="1200">
         <p14:prism/>
       </p:transition>
     </mc:Choice>
-    <mc:Fallback>
+    <mc:Fallback xmlns="">
       <p:transition spd="slow">
         <p:fade/>
       </p:transition>
@@ -13561,13 +13561,13 @@
   <p:clrMapOvr>
     <a:masterClrMapping/>
   </p:clrMapOvr>
-  <mc:AlternateContent xmlns:mc="http://schemas.openxmlformats.org/markup-compatibility/2006">
-    <mc:Choice xmlns:p14="http://schemas.microsoft.com/office/powerpoint/2010/main" Requires="p14">
+  <mc:AlternateContent xmlns:mc="http://schemas.openxmlformats.org/markup-compatibility/2006" xmlns:p14="http://schemas.microsoft.com/office/powerpoint/2010/main">
+    <mc:Choice Requires="p14">
       <p:transition spd="slow" p14:dur="1200">
         <p14:prism/>
       </p:transition>
     </mc:Choice>
-    <mc:Fallback>
+    <mc:Fallback xmlns="">
       <p:transition spd="slow">
         <p:fade/>
       </p:transition>
@@ -14703,13 +14703,13 @@
   <p:clrMapOvr>
     <a:masterClrMapping/>
   </p:clrMapOvr>
-  <mc:AlternateContent xmlns:mc="http://schemas.openxmlformats.org/markup-compatibility/2006">
-    <mc:Choice xmlns:p14="http://schemas.microsoft.com/office/powerpoint/2010/main" Requires="p14">
+  <mc:AlternateContent xmlns:mc="http://schemas.openxmlformats.org/markup-compatibility/2006" xmlns:p14="http://schemas.microsoft.com/office/powerpoint/2010/main">
+    <mc:Choice Requires="p14">
       <p:transition spd="slow" p14:dur="1200">
         <p14:prism/>
       </p:transition>
     </mc:Choice>
-    <mc:Fallback>
+    <mc:Fallback xmlns="">
       <p:transition spd="slow">
         <p:fade/>
       </p:transition>
@@ -14883,13 +14883,13 @@
   <p:clrMapOvr>
     <a:masterClrMapping/>
   </p:clrMapOvr>
-  <mc:AlternateContent xmlns:mc="http://schemas.openxmlformats.org/markup-compatibility/2006">
-    <mc:Choice xmlns:p14="http://schemas.microsoft.com/office/powerpoint/2010/main" Requires="p14">
+  <mc:AlternateContent xmlns:mc="http://schemas.openxmlformats.org/markup-compatibility/2006" xmlns:p14="http://schemas.microsoft.com/office/powerpoint/2010/main">
+    <mc:Choice Requires="p14">
       <p:transition spd="slow" p14:dur="1200">
         <p14:prism/>
       </p:transition>
     </mc:Choice>
-    <mc:Fallback>
+    <mc:Fallback xmlns="">
       <p:transition spd="slow">
         <p:fade/>
       </p:transition>
@@ -15138,13 +15138,13 @@
   <p:clrMapOvr>
     <a:masterClrMapping/>
   </p:clrMapOvr>
-  <mc:AlternateContent xmlns:mc="http://schemas.openxmlformats.org/markup-compatibility/2006">
-    <mc:Choice xmlns:p14="http://schemas.microsoft.com/office/powerpoint/2010/main" Requires="p14">
+  <mc:AlternateContent xmlns:mc="http://schemas.openxmlformats.org/markup-compatibility/2006" xmlns:p14="http://schemas.microsoft.com/office/powerpoint/2010/main">
+    <mc:Choice Requires="p14">
       <p:transition spd="slow" p14:dur="1200">
         <p14:prism/>
       </p:transition>
     </mc:Choice>
-    <mc:Fallback>
+    <mc:Fallback xmlns="">
       <p:transition spd="slow">
         <p:fade/>
       </p:transition>
@@ -15375,13 +15375,13 @@
   <p:clrMapOvr>
     <a:masterClrMapping/>
   </p:clrMapOvr>
-  <mc:AlternateContent xmlns:mc="http://schemas.openxmlformats.org/markup-compatibility/2006">
-    <mc:Choice xmlns:p14="http://schemas.microsoft.com/office/powerpoint/2010/main" Requires="p14">
+  <mc:AlternateContent xmlns:mc="http://schemas.openxmlformats.org/markup-compatibility/2006" xmlns:p14="http://schemas.microsoft.com/office/powerpoint/2010/main">
+    <mc:Choice Requires="p14">
       <p:transition spd="slow" p14:dur="1200">
         <p14:prism/>
       </p:transition>
     </mc:Choice>
-    <mc:Fallback>
+    <mc:Fallback xmlns="">
       <p:transition spd="slow">
         <p:fade/>
       </p:transition>
@@ -15595,13 +15595,13 @@
   <p:clrMapOvr>
     <a:masterClrMapping/>
   </p:clrMapOvr>
-  <mc:AlternateContent xmlns:mc="http://schemas.openxmlformats.org/markup-compatibility/2006">
-    <mc:Choice xmlns:p14="http://schemas.microsoft.com/office/powerpoint/2010/main" Requires="p14">
+  <mc:AlternateContent xmlns:mc="http://schemas.openxmlformats.org/markup-compatibility/2006" xmlns:p14="http://schemas.microsoft.com/office/powerpoint/2010/main">
+    <mc:Choice Requires="p14">
       <p:transition spd="slow" p14:dur="1200">
         <p14:prism/>
       </p:transition>
     </mc:Choice>
-    <mc:Fallback>
+    <mc:Fallback xmlns="">
       <p:transition spd="slow">
         <p:fade/>
       </p:transition>
@@ -15777,13 +15777,13 @@
   <p:clrMapOvr>
     <a:masterClrMapping/>
   </p:clrMapOvr>
-  <mc:AlternateContent xmlns:mc="http://schemas.openxmlformats.org/markup-compatibility/2006">
-    <mc:Choice xmlns:p14="http://schemas.microsoft.com/office/powerpoint/2010/main" Requires="p14">
+  <mc:AlternateContent xmlns:mc="http://schemas.openxmlformats.org/markup-compatibility/2006" xmlns:p14="http://schemas.microsoft.com/office/powerpoint/2010/main">
+    <mc:Choice Requires="p14">
       <p:transition spd="slow" p14:dur="1200">
         <p14:prism/>
       </p:transition>
     </mc:Choice>
-    <mc:Fallback>
+    <mc:Fallback xmlns="">
       <p:transition spd="slow">
         <p:fade/>
       </p:transition>
@@ -16600,13 +16600,13 @@
   <p:clrMapOvr>
     <a:masterClrMapping/>
   </p:clrMapOvr>
-  <mc:AlternateContent xmlns:mc="http://schemas.openxmlformats.org/markup-compatibility/2006">
-    <mc:Choice xmlns:p14="http://schemas.microsoft.com/office/powerpoint/2010/main" Requires="p14">
+  <mc:AlternateContent xmlns:mc="http://schemas.openxmlformats.org/markup-compatibility/2006" xmlns:p14="http://schemas.microsoft.com/office/powerpoint/2010/main">
+    <mc:Choice Requires="p14">
       <p:transition spd="slow" p14:dur="1200">
         <p14:prism/>
       </p:transition>
     </mc:Choice>
-    <mc:Fallback>
+    <mc:Fallback xmlns="">
       <p:transition spd="slow">
         <p:fade/>
       </p:transition>
@@ -17401,13 +17401,13 @@
   <p:clrMapOvr>
     <a:masterClrMapping/>
   </p:clrMapOvr>
-  <mc:AlternateContent xmlns:mc="http://schemas.openxmlformats.org/markup-compatibility/2006">
-    <mc:Choice xmlns:p14="http://schemas.microsoft.com/office/powerpoint/2010/main" Requires="p14">
+  <mc:AlternateContent xmlns:mc="http://schemas.openxmlformats.org/markup-compatibility/2006" xmlns:p14="http://schemas.microsoft.com/office/powerpoint/2010/main">
+    <mc:Choice Requires="p14">
       <p:transition spd="slow" p14:dur="1200">
         <p14:prism/>
       </p:transition>
     </mc:Choice>
-    <mc:Fallback>
+    <mc:Fallback xmlns="">
       <p:transition spd="slow">
         <p:fade/>
       </p:transition>
